--- a/Documents/ProtoDebuggerPresentation.pptx
+++ b/Documents/ProtoDebuggerPresentation.pptx
@@ -12,18 +12,10 @@
     <p:sldId id="257" r:id="rId6"/>
     <p:sldId id="259" r:id="rId7"/>
     <p:sldId id="261" r:id="rId8"/>
-    <p:sldId id="265" r:id="rId9"/>
-    <p:sldId id="272" r:id="rId10"/>
-    <p:sldId id="273" r:id="rId11"/>
-    <p:sldId id="274" r:id="rId12"/>
-    <p:sldId id="275" r:id="rId13"/>
-    <p:sldId id="262" r:id="rId14"/>
-    <p:sldId id="270" r:id="rId15"/>
-    <p:sldId id="271" r:id="rId16"/>
-    <p:sldId id="264" r:id="rId17"/>
-    <p:sldId id="269" r:id="rId18"/>
-    <p:sldId id="267" r:id="rId19"/>
-    <p:sldId id="263" r:id="rId20"/>
+    <p:sldId id="271" r:id="rId9"/>
+    <p:sldId id="269" r:id="rId10"/>
+    <p:sldId id="267" r:id="rId11"/>
+    <p:sldId id="263" r:id="rId12"/>
   </p:sldIdLst>
   <p:sldSz cx="9144000" cy="6858000" type="screen4x3"/>
   <p:notesSz cx="6858000" cy="9144000"/>
@@ -374,7 +366,7 @@
             <a:fld id="{DADD7335-8523-47AF-84EC-C89F81FE965C}" type="datetimeFigureOut">
               <a:rPr lang="en-US" smtClean="0"/>
               <a:pPr/>
-              <a:t>11/4/2012</a:t>
+              <a:t>11/12/2012</a:t>
             </a:fld>
             <a:endParaRPr lang="en-US"/>
           </a:p>
@@ -599,7 +591,7 @@
             <a:fld id="{DADD7335-8523-47AF-84EC-C89F81FE965C}" type="datetimeFigureOut">
               <a:rPr lang="en-US" smtClean="0"/>
               <a:pPr/>
-              <a:t>11/4/2012</a:t>
+              <a:t>11/12/2012</a:t>
             </a:fld>
             <a:endParaRPr lang="en-US"/>
           </a:p>
@@ -881,7 +873,7 @@
             <a:fld id="{DADD7335-8523-47AF-84EC-C89F81FE965C}" type="datetimeFigureOut">
               <a:rPr lang="en-US" smtClean="0"/>
               <a:pPr/>
-              <a:t>11/4/2012</a:t>
+              <a:t>11/12/2012</a:t>
             </a:fld>
             <a:endParaRPr lang="en-US"/>
           </a:p>
@@ -1062,7 +1054,7 @@
             <a:fld id="{DADD7335-8523-47AF-84EC-C89F81FE965C}" type="datetimeFigureOut">
               <a:rPr lang="en-US" smtClean="0"/>
               <a:pPr/>
-              <a:t>11/4/2012</a:t>
+              <a:t>11/12/2012</a:t>
             </a:fld>
             <a:endParaRPr lang="en-US"/>
           </a:p>
@@ -1422,7 +1414,7 @@
             <a:fld id="{DADD7335-8523-47AF-84EC-C89F81FE965C}" type="datetimeFigureOut">
               <a:rPr lang="en-US" smtClean="0"/>
               <a:pPr/>
-              <a:t>11/4/2012</a:t>
+              <a:t>11/12/2012</a:t>
             </a:fld>
             <a:endParaRPr lang="en-US"/>
           </a:p>
@@ -1711,7 +1703,7 @@
             <a:fld id="{DADD7335-8523-47AF-84EC-C89F81FE965C}" type="datetimeFigureOut">
               <a:rPr lang="en-US" smtClean="0"/>
               <a:pPr/>
-              <a:t>11/4/2012</a:t>
+              <a:t>11/12/2012</a:t>
             </a:fld>
             <a:endParaRPr lang="en-US"/>
           </a:p>
@@ -2135,7 +2127,7 @@
             <a:fld id="{DADD7335-8523-47AF-84EC-C89F81FE965C}" type="datetimeFigureOut">
               <a:rPr lang="en-US" smtClean="0"/>
               <a:pPr/>
-              <a:t>11/4/2012</a:t>
+              <a:t>11/12/2012</a:t>
             </a:fld>
             <a:endParaRPr lang="en-US"/>
           </a:p>
@@ -2252,7 +2244,7 @@
             <a:fld id="{DADD7335-8523-47AF-84EC-C89F81FE965C}" type="datetimeFigureOut">
               <a:rPr lang="en-US" smtClean="0"/>
               <a:pPr/>
-              <a:t>11/4/2012</a:t>
+              <a:t>11/12/2012</a:t>
             </a:fld>
             <a:endParaRPr lang="en-US"/>
           </a:p>
@@ -2344,7 +2336,7 @@
             <a:fld id="{DADD7335-8523-47AF-84EC-C89F81FE965C}" type="datetimeFigureOut">
               <a:rPr lang="en-US" smtClean="0"/>
               <a:pPr/>
-              <a:t>11/4/2012</a:t>
+              <a:t>11/12/2012</a:t>
             </a:fld>
             <a:endParaRPr lang="en-US"/>
           </a:p>
@@ -2624,7 +2616,7 @@
             <a:fld id="{DADD7335-8523-47AF-84EC-C89F81FE965C}" type="datetimeFigureOut">
               <a:rPr lang="en-US" smtClean="0"/>
               <a:pPr/>
-              <a:t>11/4/2012</a:t>
+              <a:t>11/12/2012</a:t>
             </a:fld>
             <a:endParaRPr lang="en-US"/>
           </a:p>
@@ -2992,7 +2984,7 @@
             <a:fld id="{DADD7335-8523-47AF-84EC-C89F81FE965C}" type="datetimeFigureOut">
               <a:rPr lang="en-US" smtClean="0"/>
               <a:pPr/>
-              <a:t>11/4/2012</a:t>
+              <a:t>11/12/2012</a:t>
             </a:fld>
             <a:endParaRPr lang="en-US"/>
           </a:p>
@@ -3431,7 +3423,7 @@
             <a:fld id="{DADD7335-8523-47AF-84EC-C89F81FE965C}" type="datetimeFigureOut">
               <a:rPr lang="en-US" smtClean="0"/>
               <a:pPr/>
-              <a:t>11/4/2012</a:t>
+              <a:t>11/12/2012</a:t>
             </a:fld>
             <a:endParaRPr lang="en-US"/>
           </a:p>
@@ -3974,49 +3966,54 @@
           <a:lstStyle/>
           <a:p>
             <a:r>
-              <a:rPr lang="en-US" dirty="0" err="1" smtClean="0"/>
-              <a:t>ProtoDebugger</a:t>
-            </a:r>
-            <a:r>
               <a:rPr lang="en-US" dirty="0" smtClean="0"/>
-              <a:t> Design</a:t>
+              <a:t>References</a:t>
             </a:r>
             <a:endParaRPr lang="en-US" dirty="0"/>
           </a:p>
         </p:txBody>
       </p:sp>
-      <p:pic>
-        <p:nvPicPr>
-          <p:cNvPr id="5123" name="Picture 3"/>
-          <p:cNvPicPr>
-            <a:picLocks noChangeAspect="1" noChangeArrowheads="1"/>
-          </p:cNvPicPr>
-          <p:nvPr/>
-        </p:nvPicPr>
-        <p:blipFill>
-          <a:blip r:embed="rId2" cstate="print"/>
-          <a:srcRect/>
-          <a:stretch>
-            <a:fillRect/>
-          </a:stretch>
-        </p:blipFill>
-        <p:spPr bwMode="auto">
-          <a:xfrm>
-            <a:off x="61913" y="1562100"/>
-            <a:ext cx="9020175" cy="3733800"/>
-          </a:xfrm>
-          <a:prstGeom prst="rect">
-            <a:avLst/>
-          </a:prstGeom>
-          <a:noFill/>
-          <a:ln w="9525">
-            <a:noFill/>
-            <a:miter lim="800000"/>
-            <a:headEnd/>
-            <a:tailEnd/>
-          </a:ln>
-        </p:spPr>
-      </p:pic>
+      <p:sp>
+        <p:nvSpPr>
+          <p:cNvPr id="3" name="Content Placeholder 2"/>
+          <p:cNvSpPr>
+            <a:spLocks noGrp="1"/>
+          </p:cNvSpPr>
+          <p:nvPr>
+            <p:ph idx="1"/>
+          </p:nvPr>
+        </p:nvSpPr>
+        <p:spPr/>
+        <p:txBody>
+          <a:bodyPr/>
+          <a:lstStyle/>
+          <a:p>
+            <a:r>
+              <a:rPr lang="en-US" sz="2000" dirty="0" smtClean="0"/>
+              <a:t>"Protocol Buffers." </a:t>
+            </a:r>
+            <a:r>
+              <a:rPr lang="en-US" sz="2000" i="1" dirty="0" smtClean="0"/>
+              <a:t>Google Developers</a:t>
+            </a:r>
+            <a:r>
+              <a:rPr lang="en-US" sz="2000" dirty="0" smtClean="0"/>
+              <a:t>. Google, </a:t>
+            </a:r>
+            <a:r>
+              <a:rPr lang="en-US" sz="2000" dirty="0" err="1" smtClean="0"/>
+              <a:t>n.d</a:t>
+            </a:r>
+            <a:r>
+              <a:rPr lang="en-US" sz="2000" dirty="0" smtClean="0"/>
+              <a:t>. Web. 23 Oct. 2012. &lt;https://developers.google.com/protocol-buffers/&gt;.</a:t>
+            </a:r>
+          </a:p>
+          <a:p>
+            <a:endParaRPr lang="en-US" dirty="0"/>
+          </a:p>
+        </p:txBody>
+      </p:sp>
     </p:spTree>
   </p:cSld>
   <p:clrMapOvr>
@@ -4026,680 +4023,6 @@
 </file>
 
 <file path=ppt/slides/slide11.xml><?xml version="1.0" encoding="utf-8"?>
-<p:sld xmlns:a="http://schemas.openxmlformats.org/drawingml/2006/main" xmlns:r="http://schemas.openxmlformats.org/officeDocument/2006/relationships" xmlns:p="http://schemas.openxmlformats.org/presentationml/2006/main">
-  <p:cSld>
-    <p:spTree>
-      <p:nvGrpSpPr>
-        <p:cNvPr id="1" name=""/>
-        <p:cNvGrpSpPr/>
-        <p:nvPr/>
-      </p:nvGrpSpPr>
-      <p:grpSpPr>
-        <a:xfrm>
-          <a:off x="0" y="0"/>
-          <a:ext cx="0" cy="0"/>
-          <a:chOff x="0" y="0"/>
-          <a:chExt cx="0" cy="0"/>
-        </a:xfrm>
-      </p:grpSpPr>
-      <p:sp>
-        <p:nvSpPr>
-          <p:cNvPr id="2" name="Title 1"/>
-          <p:cNvSpPr>
-            <a:spLocks noGrp="1"/>
-          </p:cNvSpPr>
-          <p:nvPr>
-            <p:ph type="title"/>
-          </p:nvPr>
-        </p:nvSpPr>
-        <p:spPr/>
-        <p:txBody>
-          <a:bodyPr/>
-          <a:lstStyle/>
-          <a:p>
-            <a:r>
-              <a:rPr lang="en-US" dirty="0" err="1" smtClean="0"/>
-              <a:t>ProtoDebugger</a:t>
-            </a:r>
-            <a:r>
-              <a:rPr lang="en-US" dirty="0" smtClean="0"/>
-              <a:t> Design</a:t>
-            </a:r>
-            <a:endParaRPr lang="en-US" dirty="0"/>
-          </a:p>
-        </p:txBody>
-      </p:sp>
-      <p:pic>
-        <p:nvPicPr>
-          <p:cNvPr id="1026" name="Picture 2"/>
-          <p:cNvPicPr>
-            <a:picLocks noChangeAspect="1" noChangeArrowheads="1"/>
-          </p:cNvPicPr>
-          <p:nvPr/>
-        </p:nvPicPr>
-        <p:blipFill>
-          <a:blip r:embed="rId2" cstate="print"/>
-          <a:srcRect/>
-          <a:stretch>
-            <a:fillRect/>
-          </a:stretch>
-        </p:blipFill>
-        <p:spPr bwMode="auto">
-          <a:xfrm>
-            <a:off x="152400" y="1600200"/>
-            <a:ext cx="8853854" cy="4038600"/>
-          </a:xfrm>
-          <a:prstGeom prst="rect">
-            <a:avLst/>
-          </a:prstGeom>
-          <a:noFill/>
-          <a:ln w="9525">
-            <a:noFill/>
-            <a:miter lim="800000"/>
-            <a:headEnd/>
-            <a:tailEnd/>
-          </a:ln>
-        </p:spPr>
-      </p:pic>
-    </p:spTree>
-  </p:cSld>
-  <p:clrMapOvr>
-    <a:masterClrMapping/>
-  </p:clrMapOvr>
-</p:sld>
-</file>
-
-<file path=ppt/slides/slide12.xml><?xml version="1.0" encoding="utf-8"?>
-<p:sld xmlns:a="http://schemas.openxmlformats.org/drawingml/2006/main" xmlns:r="http://schemas.openxmlformats.org/officeDocument/2006/relationships" xmlns:p="http://schemas.openxmlformats.org/presentationml/2006/main">
-  <p:cSld>
-    <p:spTree>
-      <p:nvGrpSpPr>
-        <p:cNvPr id="1" name=""/>
-        <p:cNvGrpSpPr/>
-        <p:nvPr/>
-      </p:nvGrpSpPr>
-      <p:grpSpPr>
-        <a:xfrm>
-          <a:off x="0" y="0"/>
-          <a:ext cx="0" cy="0"/>
-          <a:chOff x="0" y="0"/>
-          <a:chExt cx="0" cy="0"/>
-        </a:xfrm>
-      </p:grpSpPr>
-      <p:sp>
-        <p:nvSpPr>
-          <p:cNvPr id="2" name="Title 1"/>
-          <p:cNvSpPr>
-            <a:spLocks noGrp="1"/>
-          </p:cNvSpPr>
-          <p:nvPr>
-            <p:ph type="title"/>
-          </p:nvPr>
-        </p:nvSpPr>
-        <p:spPr/>
-        <p:txBody>
-          <a:bodyPr/>
-          <a:lstStyle/>
-          <a:p>
-            <a:r>
-              <a:rPr lang="en-US" dirty="0" err="1" smtClean="0"/>
-              <a:t>ProtoDebugger</a:t>
-            </a:r>
-            <a:r>
-              <a:rPr lang="en-US" dirty="0" smtClean="0"/>
-              <a:t> Design</a:t>
-            </a:r>
-            <a:endParaRPr lang="en-US" dirty="0"/>
-          </a:p>
-        </p:txBody>
-      </p:sp>
-      <p:pic>
-        <p:nvPicPr>
-          <p:cNvPr id="2050" name="Picture 2"/>
-          <p:cNvPicPr>
-            <a:picLocks noChangeAspect="1" noChangeArrowheads="1"/>
-          </p:cNvPicPr>
-          <p:nvPr/>
-        </p:nvPicPr>
-        <p:blipFill>
-          <a:blip r:embed="rId2" cstate="print"/>
-          <a:srcRect/>
-          <a:stretch>
-            <a:fillRect/>
-          </a:stretch>
-        </p:blipFill>
-        <p:spPr bwMode="auto">
-          <a:xfrm>
-            <a:off x="152400" y="1828800"/>
-            <a:ext cx="8839200" cy="3581400"/>
-          </a:xfrm>
-          <a:prstGeom prst="rect">
-            <a:avLst/>
-          </a:prstGeom>
-          <a:noFill/>
-          <a:ln w="9525">
-            <a:noFill/>
-            <a:miter lim="800000"/>
-            <a:headEnd/>
-            <a:tailEnd/>
-          </a:ln>
-        </p:spPr>
-      </p:pic>
-    </p:spTree>
-  </p:cSld>
-  <p:clrMapOvr>
-    <a:masterClrMapping/>
-  </p:clrMapOvr>
-</p:sld>
-</file>
-
-<file path=ppt/slides/slide13.xml><?xml version="1.0" encoding="utf-8"?>
-<p:sld xmlns:a="http://schemas.openxmlformats.org/drawingml/2006/main" xmlns:r="http://schemas.openxmlformats.org/officeDocument/2006/relationships" xmlns:p="http://schemas.openxmlformats.org/presentationml/2006/main">
-  <p:cSld>
-    <p:spTree>
-      <p:nvGrpSpPr>
-        <p:cNvPr id="1" name=""/>
-        <p:cNvGrpSpPr/>
-        <p:nvPr/>
-      </p:nvGrpSpPr>
-      <p:grpSpPr>
-        <a:xfrm>
-          <a:off x="0" y="0"/>
-          <a:ext cx="0" cy="0"/>
-          <a:chOff x="0" y="0"/>
-          <a:chExt cx="0" cy="0"/>
-        </a:xfrm>
-      </p:grpSpPr>
-      <p:sp>
-        <p:nvSpPr>
-          <p:cNvPr id="2" name="Title 1"/>
-          <p:cNvSpPr>
-            <a:spLocks noGrp="1"/>
-          </p:cNvSpPr>
-          <p:nvPr>
-            <p:ph type="title"/>
-          </p:nvPr>
-        </p:nvSpPr>
-        <p:spPr/>
-        <p:txBody>
-          <a:bodyPr>
-            <a:normAutofit fontScale="90000"/>
-          </a:bodyPr>
-          <a:lstStyle/>
-          <a:p>
-            <a:r>
-              <a:rPr lang="en-US" dirty="0" err="1" smtClean="0"/>
-              <a:t>ProtoDebugger</a:t>
-            </a:r>
-            <a:r>
-              <a:rPr lang="en-US" dirty="0" smtClean="0"/>
-              <a:t> GUI: </a:t>
-            </a:r>
-            <a:r>
-              <a:rPr lang="en-US" dirty="0" err="1" smtClean="0"/>
-              <a:t>ScreenShots</a:t>
-            </a:r>
-            <a:endParaRPr lang="en-US" dirty="0"/>
-          </a:p>
-        </p:txBody>
-      </p:sp>
-      <p:pic>
-        <p:nvPicPr>
-          <p:cNvPr id="1026" name="Picture 2"/>
-          <p:cNvPicPr>
-            <a:picLocks noChangeAspect="1" noChangeArrowheads="1"/>
-          </p:cNvPicPr>
-          <p:nvPr/>
-        </p:nvPicPr>
-        <p:blipFill>
-          <a:blip r:embed="rId2" cstate="print"/>
-          <a:srcRect/>
-          <a:stretch>
-            <a:fillRect/>
-          </a:stretch>
-        </p:blipFill>
-        <p:spPr bwMode="auto">
-          <a:xfrm>
-            <a:off x="228600" y="1600200"/>
-            <a:ext cx="8669867" cy="4876800"/>
-          </a:xfrm>
-          <a:prstGeom prst="rect">
-            <a:avLst/>
-          </a:prstGeom>
-          <a:noFill/>
-          <a:ln w="9525">
-            <a:noFill/>
-            <a:miter lim="800000"/>
-            <a:headEnd/>
-            <a:tailEnd/>
-          </a:ln>
-        </p:spPr>
-      </p:pic>
-    </p:spTree>
-  </p:cSld>
-  <p:clrMapOvr>
-    <a:masterClrMapping/>
-  </p:clrMapOvr>
-</p:sld>
-</file>
-
-<file path=ppt/slides/slide14.xml><?xml version="1.0" encoding="utf-8"?>
-<p:sld xmlns:a="http://schemas.openxmlformats.org/drawingml/2006/main" xmlns:r="http://schemas.openxmlformats.org/officeDocument/2006/relationships" xmlns:p="http://schemas.openxmlformats.org/presentationml/2006/main">
-  <p:cSld>
-    <p:spTree>
-      <p:nvGrpSpPr>
-        <p:cNvPr id="1" name=""/>
-        <p:cNvGrpSpPr/>
-        <p:nvPr/>
-      </p:nvGrpSpPr>
-      <p:grpSpPr>
-        <a:xfrm>
-          <a:off x="0" y="0"/>
-          <a:ext cx="0" cy="0"/>
-          <a:chOff x="0" y="0"/>
-          <a:chExt cx="0" cy="0"/>
-        </a:xfrm>
-      </p:grpSpPr>
-      <p:sp>
-        <p:nvSpPr>
-          <p:cNvPr id="2" name="Title 1"/>
-          <p:cNvSpPr>
-            <a:spLocks noGrp="1"/>
-          </p:cNvSpPr>
-          <p:nvPr>
-            <p:ph type="title"/>
-          </p:nvPr>
-        </p:nvSpPr>
-        <p:spPr/>
-        <p:txBody>
-          <a:bodyPr>
-            <a:normAutofit fontScale="90000"/>
-          </a:bodyPr>
-          <a:lstStyle/>
-          <a:p>
-            <a:r>
-              <a:rPr lang="en-US" dirty="0" err="1" smtClean="0"/>
-              <a:t>ProtoDebugger</a:t>
-            </a:r>
-            <a:r>
-              <a:rPr lang="en-US" dirty="0" smtClean="0"/>
-              <a:t> GUI: </a:t>
-            </a:r>
-            <a:r>
-              <a:rPr lang="en-US" dirty="0" err="1" smtClean="0"/>
-              <a:t>ScreenShots</a:t>
-            </a:r>
-            <a:endParaRPr lang="en-US" dirty="0"/>
-          </a:p>
-        </p:txBody>
-      </p:sp>
-      <p:pic>
-        <p:nvPicPr>
-          <p:cNvPr id="2050" name="Picture 2"/>
-          <p:cNvPicPr>
-            <a:picLocks noChangeAspect="1" noChangeArrowheads="1"/>
-          </p:cNvPicPr>
-          <p:nvPr/>
-        </p:nvPicPr>
-        <p:blipFill>
-          <a:blip r:embed="rId2" cstate="print"/>
-          <a:srcRect/>
-          <a:stretch>
-            <a:fillRect/>
-          </a:stretch>
-        </p:blipFill>
-        <p:spPr bwMode="auto">
-          <a:xfrm>
-            <a:off x="381000" y="1676400"/>
-            <a:ext cx="3790950" cy="4162425"/>
-          </a:xfrm>
-          <a:prstGeom prst="rect">
-            <a:avLst/>
-          </a:prstGeom>
-          <a:noFill/>
-          <a:ln w="9525">
-            <a:noFill/>
-            <a:miter lim="800000"/>
-            <a:headEnd/>
-            <a:tailEnd/>
-          </a:ln>
-        </p:spPr>
-      </p:pic>
-      <p:pic>
-        <p:nvPicPr>
-          <p:cNvPr id="2051" name="Picture 3"/>
-          <p:cNvPicPr>
-            <a:picLocks noChangeAspect="1" noChangeArrowheads="1"/>
-          </p:cNvPicPr>
-          <p:nvPr/>
-        </p:nvPicPr>
-        <p:blipFill>
-          <a:blip r:embed="rId3" cstate="print"/>
-          <a:srcRect/>
-          <a:stretch>
-            <a:fillRect/>
-          </a:stretch>
-        </p:blipFill>
-        <p:spPr bwMode="auto">
-          <a:xfrm>
-            <a:off x="4876800" y="1600200"/>
-            <a:ext cx="3790950" cy="4162425"/>
-          </a:xfrm>
-          <a:prstGeom prst="rect">
-            <a:avLst/>
-          </a:prstGeom>
-          <a:noFill/>
-          <a:ln w="9525">
-            <a:noFill/>
-            <a:miter lim="800000"/>
-            <a:headEnd/>
-            <a:tailEnd/>
-          </a:ln>
-        </p:spPr>
-      </p:pic>
-    </p:spTree>
-  </p:cSld>
-  <p:clrMapOvr>
-    <a:masterClrMapping/>
-  </p:clrMapOvr>
-</p:sld>
-</file>
-
-<file path=ppt/slides/slide15.xml><?xml version="1.0" encoding="utf-8"?>
-<p:sld xmlns:a="http://schemas.openxmlformats.org/drawingml/2006/main" xmlns:r="http://schemas.openxmlformats.org/officeDocument/2006/relationships" xmlns:p="http://schemas.openxmlformats.org/presentationml/2006/main">
-  <p:cSld>
-    <p:spTree>
-      <p:nvGrpSpPr>
-        <p:cNvPr id="1" name=""/>
-        <p:cNvGrpSpPr/>
-        <p:nvPr/>
-      </p:nvGrpSpPr>
-      <p:grpSpPr>
-        <a:xfrm>
-          <a:off x="0" y="0"/>
-          <a:ext cx="0" cy="0"/>
-          <a:chOff x="0" y="0"/>
-          <a:chExt cx="0" cy="0"/>
-        </a:xfrm>
-      </p:grpSpPr>
-      <p:sp>
-        <p:nvSpPr>
-          <p:cNvPr id="2" name="Title 1"/>
-          <p:cNvSpPr>
-            <a:spLocks noGrp="1"/>
-          </p:cNvSpPr>
-          <p:nvPr>
-            <p:ph type="title"/>
-          </p:nvPr>
-        </p:nvSpPr>
-        <p:spPr/>
-        <p:txBody>
-          <a:bodyPr>
-            <a:normAutofit fontScale="90000"/>
-          </a:bodyPr>
-          <a:lstStyle/>
-          <a:p>
-            <a:r>
-              <a:rPr lang="en-US" dirty="0" err="1" smtClean="0"/>
-              <a:t>ProtoDebugger</a:t>
-            </a:r>
-            <a:r>
-              <a:rPr lang="en-US" dirty="0" smtClean="0"/>
-              <a:t> GUI: </a:t>
-            </a:r>
-            <a:r>
-              <a:rPr lang="en-US" dirty="0" err="1" smtClean="0"/>
-              <a:t>ScreenShots</a:t>
-            </a:r>
-            <a:endParaRPr lang="en-US" dirty="0"/>
-          </a:p>
-        </p:txBody>
-      </p:sp>
-      <p:pic>
-        <p:nvPicPr>
-          <p:cNvPr id="3076" name="Picture 4"/>
-          <p:cNvPicPr>
-            <a:picLocks noChangeAspect="1" noChangeArrowheads="1"/>
-          </p:cNvPicPr>
-          <p:nvPr/>
-        </p:nvPicPr>
-        <p:blipFill>
-          <a:blip r:embed="rId2" cstate="print"/>
-          <a:srcRect/>
-          <a:stretch>
-            <a:fillRect/>
-          </a:stretch>
-        </p:blipFill>
-        <p:spPr bwMode="auto">
-          <a:xfrm>
-            <a:off x="381000" y="1600200"/>
-            <a:ext cx="8665698" cy="5029200"/>
-          </a:xfrm>
-          <a:prstGeom prst="rect">
-            <a:avLst/>
-          </a:prstGeom>
-          <a:noFill/>
-          <a:ln w="9525">
-            <a:noFill/>
-            <a:miter lim="800000"/>
-            <a:headEnd/>
-            <a:tailEnd/>
-          </a:ln>
-        </p:spPr>
-      </p:pic>
-    </p:spTree>
-  </p:cSld>
-  <p:clrMapOvr>
-    <a:masterClrMapping/>
-  </p:clrMapOvr>
-</p:sld>
-</file>
-
-<file path=ppt/slides/slide16.xml><?xml version="1.0" encoding="utf-8"?>
-<p:sld xmlns:a="http://schemas.openxmlformats.org/drawingml/2006/main" xmlns:r="http://schemas.openxmlformats.org/officeDocument/2006/relationships" xmlns:p="http://schemas.openxmlformats.org/presentationml/2006/main">
-  <p:cSld>
-    <p:spTree>
-      <p:nvGrpSpPr>
-        <p:cNvPr id="1" name=""/>
-        <p:cNvGrpSpPr/>
-        <p:nvPr/>
-      </p:nvGrpSpPr>
-      <p:grpSpPr>
-        <a:xfrm>
-          <a:off x="0" y="0"/>
-          <a:ext cx="0" cy="0"/>
-          <a:chOff x="0" y="0"/>
-          <a:chExt cx="0" cy="0"/>
-        </a:xfrm>
-      </p:grpSpPr>
-      <p:sp>
-        <p:nvSpPr>
-          <p:cNvPr id="2" name="Title 1"/>
-          <p:cNvSpPr>
-            <a:spLocks noGrp="1"/>
-          </p:cNvSpPr>
-          <p:nvPr>
-            <p:ph type="title"/>
-          </p:nvPr>
-        </p:nvSpPr>
-        <p:spPr/>
-        <p:txBody>
-          <a:bodyPr/>
-          <a:lstStyle/>
-          <a:p>
-            <a:r>
-              <a:rPr lang="en-US" dirty="0" smtClean="0"/>
-              <a:t>Demonstration</a:t>
-            </a:r>
-            <a:endParaRPr lang="en-US" dirty="0"/>
-          </a:p>
-        </p:txBody>
-      </p:sp>
-    </p:spTree>
-  </p:cSld>
-  <p:clrMapOvr>
-    <a:masterClrMapping/>
-  </p:clrMapOvr>
-</p:sld>
-</file>
-
-<file path=ppt/slides/slide17.xml><?xml version="1.0" encoding="utf-8"?>
-<p:sld xmlns:a="http://schemas.openxmlformats.org/drawingml/2006/main" xmlns:r="http://schemas.openxmlformats.org/officeDocument/2006/relationships" xmlns:p="http://schemas.openxmlformats.org/presentationml/2006/main">
-  <p:cSld>
-    <p:spTree>
-      <p:nvGrpSpPr>
-        <p:cNvPr id="1" name=""/>
-        <p:cNvGrpSpPr/>
-        <p:nvPr/>
-      </p:nvGrpSpPr>
-      <p:grpSpPr>
-        <a:xfrm>
-          <a:off x="0" y="0"/>
-          <a:ext cx="0" cy="0"/>
-          <a:chOff x="0" y="0"/>
-          <a:chExt cx="0" cy="0"/>
-        </a:xfrm>
-      </p:grpSpPr>
-      <p:sp>
-        <p:nvSpPr>
-          <p:cNvPr id="2" name="Title 1"/>
-          <p:cNvSpPr>
-            <a:spLocks noGrp="1"/>
-          </p:cNvSpPr>
-          <p:nvPr>
-            <p:ph type="title"/>
-          </p:nvPr>
-        </p:nvSpPr>
-        <p:spPr/>
-        <p:txBody>
-          <a:bodyPr/>
-          <a:lstStyle/>
-          <a:p>
-            <a:r>
-              <a:rPr lang="en-US" dirty="0" smtClean="0"/>
-              <a:t>Lessons Learned</a:t>
-            </a:r>
-            <a:endParaRPr lang="en-US" dirty="0"/>
-          </a:p>
-        </p:txBody>
-      </p:sp>
-      <p:sp>
-        <p:nvSpPr>
-          <p:cNvPr id="3" name="Content Placeholder 2"/>
-          <p:cNvSpPr>
-            <a:spLocks noGrp="1"/>
-          </p:cNvSpPr>
-          <p:nvPr>
-            <p:ph idx="1"/>
-          </p:nvPr>
-        </p:nvSpPr>
-        <p:spPr/>
-        <p:txBody>
-          <a:bodyPr/>
-          <a:lstStyle/>
-          <a:p>
-            <a:endParaRPr lang="en-US"/>
-          </a:p>
-        </p:txBody>
-      </p:sp>
-    </p:spTree>
-  </p:cSld>
-  <p:clrMapOvr>
-    <a:masterClrMapping/>
-  </p:clrMapOvr>
-</p:sld>
-</file>
-
-<file path=ppt/slides/slide18.xml><?xml version="1.0" encoding="utf-8"?>
-<p:sld xmlns:a="http://schemas.openxmlformats.org/drawingml/2006/main" xmlns:r="http://schemas.openxmlformats.org/officeDocument/2006/relationships" xmlns:p="http://schemas.openxmlformats.org/presentationml/2006/main">
-  <p:cSld>
-    <p:spTree>
-      <p:nvGrpSpPr>
-        <p:cNvPr id="1" name=""/>
-        <p:cNvGrpSpPr/>
-        <p:nvPr/>
-      </p:nvGrpSpPr>
-      <p:grpSpPr>
-        <a:xfrm>
-          <a:off x="0" y="0"/>
-          <a:ext cx="0" cy="0"/>
-          <a:chOff x="0" y="0"/>
-          <a:chExt cx="0" cy="0"/>
-        </a:xfrm>
-      </p:grpSpPr>
-      <p:sp>
-        <p:nvSpPr>
-          <p:cNvPr id="2" name="Title 1"/>
-          <p:cNvSpPr>
-            <a:spLocks noGrp="1"/>
-          </p:cNvSpPr>
-          <p:nvPr>
-            <p:ph type="title"/>
-          </p:nvPr>
-        </p:nvSpPr>
-        <p:spPr/>
-        <p:txBody>
-          <a:bodyPr/>
-          <a:lstStyle/>
-          <a:p>
-            <a:r>
-              <a:rPr lang="en-US" dirty="0" smtClean="0"/>
-              <a:t>References</a:t>
-            </a:r>
-            <a:endParaRPr lang="en-US" dirty="0"/>
-          </a:p>
-        </p:txBody>
-      </p:sp>
-      <p:sp>
-        <p:nvSpPr>
-          <p:cNvPr id="3" name="Content Placeholder 2"/>
-          <p:cNvSpPr>
-            <a:spLocks noGrp="1"/>
-          </p:cNvSpPr>
-          <p:nvPr>
-            <p:ph idx="1"/>
-          </p:nvPr>
-        </p:nvSpPr>
-        <p:spPr/>
-        <p:txBody>
-          <a:bodyPr/>
-          <a:lstStyle/>
-          <a:p>
-            <a:r>
-              <a:rPr lang="en-US" sz="2000" dirty="0" smtClean="0"/>
-              <a:t>"Protocol Buffers." </a:t>
-            </a:r>
-            <a:r>
-              <a:rPr lang="en-US" sz="2000" i="1" dirty="0" smtClean="0"/>
-              <a:t>Google Developers</a:t>
-            </a:r>
-            <a:r>
-              <a:rPr lang="en-US" sz="2000" dirty="0" smtClean="0"/>
-              <a:t>. Google, </a:t>
-            </a:r>
-            <a:r>
-              <a:rPr lang="en-US" sz="2000" dirty="0" err="1" smtClean="0"/>
-              <a:t>n.d</a:t>
-            </a:r>
-            <a:r>
-              <a:rPr lang="en-US" sz="2000" dirty="0" smtClean="0"/>
-              <a:t>. Web. 23 Oct. 2012. &lt;https://developers.google.com/protocol-buffers/&gt;.</a:t>
-            </a:r>
-          </a:p>
-          <a:p>
-            <a:endParaRPr lang="en-US" dirty="0"/>
-          </a:p>
-        </p:txBody>
-      </p:sp>
-    </p:spTree>
-  </p:cSld>
-  <p:clrMapOvr>
-    <a:masterClrMapping/>
-  </p:clrMapOvr>
-</p:sld>
-</file>
-
-<file path=ppt/slides/slide19.xml><?xml version="1.0" encoding="utf-8"?>
 <p:sld xmlns:a="http://schemas.openxmlformats.org/drawingml/2006/main" xmlns:r="http://schemas.openxmlformats.org/officeDocument/2006/relationships" xmlns:p="http://schemas.openxmlformats.org/presentationml/2006/main">
   <p:cSld>
     <p:spTree>
@@ -4905,8 +4228,17 @@
             </a:r>
             <a:r>
               <a:rPr lang="en-US" sz="2200" dirty="0" smtClean="0"/>
-              <a:t> GUI</a:t>
-            </a:r>
+              <a:t> </a:t>
+            </a:r>
+            <a:r>
+              <a:rPr lang="en-US" sz="2200" dirty="0" smtClean="0"/>
+              <a:t>GUI </a:t>
+            </a:r>
+            <a:r>
+              <a:rPr lang="en-US" sz="2200" dirty="0" err="1" smtClean="0"/>
+              <a:t>ScreenShots</a:t>
+            </a:r>
+            <a:endParaRPr lang="en-US" sz="2200" dirty="0" smtClean="0"/>
           </a:p>
           <a:p>
             <a:pPr lvl="1">
@@ -5808,29 +5140,39 @@
           </a:p>
         </p:txBody>
       </p:sp>
-      <p:sp>
-        <p:nvSpPr>
-          <p:cNvPr id="3" name="Content Placeholder 2"/>
-          <p:cNvSpPr>
-            <a:spLocks noGrp="1"/>
-          </p:cNvSpPr>
-          <p:nvPr>
-            <p:ph idx="1"/>
-          </p:nvPr>
-        </p:nvSpPr>
-        <p:spPr/>
-        <p:txBody>
-          <a:bodyPr/>
-          <a:lstStyle/>
-          <a:p>
-            <a:r>
-              <a:rPr lang="en-US" dirty="0" smtClean="0"/>
-              <a:t>UML Diagrams go here</a:t>
-            </a:r>
-            <a:endParaRPr lang="en-US" dirty="0"/>
-          </a:p>
-        </p:txBody>
-      </p:sp>
+      <p:pic>
+        <p:nvPicPr>
+          <p:cNvPr id="1026" name="Picture 2"/>
+          <p:cNvPicPr>
+            <a:picLocks noChangeAspect="1" noChangeArrowheads="1"/>
+          </p:cNvPicPr>
+          <p:nvPr/>
+        </p:nvPicPr>
+        <p:blipFill>
+          <a:blip r:embed="rId2" cstate="print"/>
+          <a:srcRect/>
+          <a:stretch>
+            <a:fillRect/>
+          </a:stretch>
+        </p:blipFill>
+        <p:spPr bwMode="auto">
+          <a:xfrm>
+            <a:off x="1981200" y="1981200"/>
+            <a:ext cx="5257800" cy="4405842"/>
+          </a:xfrm>
+          <a:prstGeom prst="rect">
+            <a:avLst/>
+          </a:prstGeom>
+          <a:noFill/>
+          <a:ln w="9525">
+            <a:noFill/>
+            <a:miter lim="800000"/>
+            <a:headEnd/>
+            <a:tailEnd/>
+          </a:ln>
+          <a:effectLst/>
+        </p:spPr>
+      </p:pic>
     </p:spTree>
   </p:cSld>
   <p:clrMapOvr>
@@ -5868,7 +5210,9 @@
         </p:nvSpPr>
         <p:spPr/>
         <p:txBody>
-          <a:bodyPr/>
+          <a:bodyPr>
+            <a:normAutofit fontScale="90000"/>
+          </a:bodyPr>
           <a:lstStyle/>
           <a:p>
             <a:r>
@@ -5877,76 +5221,11 @@
             </a:r>
             <a:r>
               <a:rPr lang="en-US" dirty="0" smtClean="0"/>
-              <a:t> Design</a:t>
-            </a:r>
-            <a:endParaRPr lang="en-US" dirty="0"/>
-          </a:p>
-        </p:txBody>
-      </p:sp>
-      <p:pic>
-        <p:nvPicPr>
-          <p:cNvPr id="1026" name="Picture 2"/>
-          <p:cNvPicPr>
-            <a:picLocks noGrp="1" noChangeAspect="1" noChangeArrowheads="1"/>
-          </p:cNvPicPr>
-          <p:nvPr>
-            <p:ph idx="1"/>
-          </p:nvPr>
-        </p:nvPicPr>
-        <p:blipFill>
-          <a:blip r:embed="rId2" cstate="print"/>
-          <a:srcRect/>
-          <a:stretch>
-            <a:fillRect/>
-          </a:stretch>
-        </p:blipFill>
-        <p:spPr bwMode="auto">
-          <a:xfrm>
-            <a:off x="2133600" y="1752599"/>
-            <a:ext cx="5029200" cy="4214283"/>
-          </a:xfrm>
-          <a:prstGeom prst="rect">
-            <a:avLst/>
-          </a:prstGeom>
-          <a:noFill/>
-          <a:ln w="9525">
-            <a:noFill/>
-            <a:miter lim="800000"/>
-            <a:headEnd/>
-            <a:tailEnd/>
-          </a:ln>
-          <a:effectLst/>
-        </p:spPr>
-      </p:pic>
-      <p:sp>
-        <p:nvSpPr>
-          <p:cNvPr id="5" name="TextBox 4"/>
-          <p:cNvSpPr txBox="1"/>
-          <p:nvPr/>
-        </p:nvSpPr>
-        <p:spPr>
-          <a:xfrm>
-            <a:off x="2057400" y="6096000"/>
-            <a:ext cx="5171287" cy="369332"/>
-          </a:xfrm>
-          <a:prstGeom prst="rect">
-            <a:avLst/>
-          </a:prstGeom>
-          <a:noFill/>
-        </p:spPr>
-        <p:txBody>
-          <a:bodyPr wrap="none" rtlCol="0">
-            <a:spAutoFit/>
-          </a:bodyPr>
-          <a:lstStyle/>
-          <a:p>
-            <a:r>
-              <a:rPr lang="en-US" dirty="0" smtClean="0"/>
-              <a:t>Client-Side Use case diagram for the </a:t>
+              <a:t> GUI: </a:t>
             </a:r>
             <a:r>
               <a:rPr lang="en-US" dirty="0" err="1" smtClean="0"/>
-              <a:t>ProtoDebugger</a:t>
+              <a:t>ScreenShots</a:t>
             </a:r>
             <a:endParaRPr lang="en-US" dirty="0"/>
           </a:p>
@@ -5989,53 +5268,93 @@
         </p:nvSpPr>
         <p:spPr/>
         <p:txBody>
-          <a:bodyPr/>
+          <a:bodyPr>
+            <a:normAutofit fontScale="90000"/>
+          </a:bodyPr>
           <a:lstStyle/>
           <a:p>
+            <a:r>
+              <a:rPr lang="en-US" dirty="0" smtClean="0"/>
+              <a:t>Lessons </a:t>
+            </a:r>
+            <a:r>
+              <a:rPr lang="en-US" dirty="0" smtClean="0"/>
+              <a:t>Learned And Future Enhancements</a:t>
+            </a:r>
+            <a:endParaRPr lang="en-US" dirty="0"/>
+          </a:p>
+        </p:txBody>
+      </p:sp>
+      <p:sp>
+        <p:nvSpPr>
+          <p:cNvPr id="3" name="Content Placeholder 2"/>
+          <p:cNvSpPr>
+            <a:spLocks noGrp="1"/>
+          </p:cNvSpPr>
+          <p:nvPr>
+            <p:ph idx="1"/>
+          </p:nvPr>
+        </p:nvSpPr>
+        <p:spPr/>
+        <p:txBody>
+          <a:bodyPr/>
+          <a:lstStyle/>
+          <a:p>
+            <a:r>
+              <a:rPr lang="en-US" dirty="0" smtClean="0"/>
+              <a:t>Lessons Learned</a:t>
+            </a:r>
+          </a:p>
+          <a:p>
+            <a:pPr lvl="1"/>
+            <a:r>
+              <a:rPr lang="en-US" dirty="0" smtClean="0"/>
+              <a:t>Google developed Protocol Buffers differently in C++ than Java</a:t>
+            </a:r>
+          </a:p>
+          <a:p>
+            <a:pPr lvl="1"/>
+            <a:r>
+              <a:rPr lang="en-US" dirty="0" smtClean="0"/>
+              <a:t>Differences in widgets and architecture from QT and RCP</a:t>
+            </a:r>
+            <a:endParaRPr lang="en-US" dirty="0"/>
+          </a:p>
+          <a:p>
+            <a:r>
+              <a:rPr lang="en-US" dirty="0" smtClean="0"/>
+              <a:t>Future Enhancements</a:t>
+            </a:r>
+          </a:p>
+          <a:p>
+            <a:pPr lvl="1"/>
+            <a:r>
+              <a:rPr lang="en-US" dirty="0" smtClean="0"/>
+              <a:t>Dynamic initialization of </a:t>
+            </a:r>
+            <a:r>
+              <a:rPr lang="en-US" dirty="0" err="1" smtClean="0"/>
+              <a:t>ProtoMessages</a:t>
+            </a:r>
+            <a:r>
+              <a:rPr lang="en-US" dirty="0" smtClean="0"/>
+              <a:t> from a directory</a:t>
+            </a:r>
+          </a:p>
+          <a:p>
+            <a:pPr lvl="1"/>
+            <a:r>
+              <a:rPr lang="en-US" dirty="0" smtClean="0"/>
+              <a:t>QT and C++ based </a:t>
+            </a:r>
             <a:r>
               <a:rPr lang="en-US" dirty="0" err="1" smtClean="0"/>
               <a:t>ProtoDebugger</a:t>
             </a:r>
-            <a:r>
-              <a:rPr lang="en-US" dirty="0" smtClean="0"/>
-              <a:t> Design</a:t>
-            </a:r>
-            <a:endParaRPr lang="en-US" dirty="0"/>
-          </a:p>
-        </p:txBody>
-      </p:sp>
-      <p:pic>
-        <p:nvPicPr>
-          <p:cNvPr id="4101" name="Picture 5"/>
-          <p:cNvPicPr>
-            <a:picLocks noChangeAspect="1" noChangeArrowheads="1"/>
-          </p:cNvPicPr>
-          <p:nvPr/>
-        </p:nvPicPr>
-        <p:blipFill>
-          <a:blip r:embed="rId2" cstate="print"/>
-          <a:srcRect/>
-          <a:stretch>
-            <a:fillRect/>
-          </a:stretch>
-        </p:blipFill>
-        <p:spPr bwMode="auto">
-          <a:xfrm>
-            <a:off x="195631" y="1905000"/>
-            <a:ext cx="8795969" cy="3581400"/>
-          </a:xfrm>
-          <a:prstGeom prst="rect">
-            <a:avLst/>
-          </a:prstGeom>
-          <a:noFill/>
-          <a:ln w="9525">
-            <a:noFill/>
-            <a:miter lim="800000"/>
-            <a:headEnd/>
-            <a:tailEnd/>
-          </a:ln>
-        </p:spPr>
-      </p:pic>
+            <a:endParaRPr lang="en-US" dirty="0" smtClean="0"/>
+          </a:p>
+        </p:txBody>
+      </p:sp>
     </p:spTree>
   </p:cSld>
   <p:clrMapOvr>

--- a/Documents/ProtoDebuggerPresentation.pptx
+++ b/Documents/ProtoDebuggerPresentation.pptx
@@ -366,7 +366,7 @@
             <a:fld id="{DADD7335-8523-47AF-84EC-C89F81FE965C}" type="datetimeFigureOut">
               <a:rPr lang="en-US" smtClean="0"/>
               <a:pPr/>
-              <a:t>11/12/2012</a:t>
+              <a:t>11/13/2012</a:t>
             </a:fld>
             <a:endParaRPr lang="en-US"/>
           </a:p>
@@ -591,7 +591,7 @@
             <a:fld id="{DADD7335-8523-47AF-84EC-C89F81FE965C}" type="datetimeFigureOut">
               <a:rPr lang="en-US" smtClean="0"/>
               <a:pPr/>
-              <a:t>11/12/2012</a:t>
+              <a:t>11/13/2012</a:t>
             </a:fld>
             <a:endParaRPr lang="en-US"/>
           </a:p>
@@ -873,7 +873,7 @@
             <a:fld id="{DADD7335-8523-47AF-84EC-C89F81FE965C}" type="datetimeFigureOut">
               <a:rPr lang="en-US" smtClean="0"/>
               <a:pPr/>
-              <a:t>11/12/2012</a:t>
+              <a:t>11/13/2012</a:t>
             </a:fld>
             <a:endParaRPr lang="en-US"/>
           </a:p>
@@ -1054,7 +1054,7 @@
             <a:fld id="{DADD7335-8523-47AF-84EC-C89F81FE965C}" type="datetimeFigureOut">
               <a:rPr lang="en-US" smtClean="0"/>
               <a:pPr/>
-              <a:t>11/12/2012</a:t>
+              <a:t>11/13/2012</a:t>
             </a:fld>
             <a:endParaRPr lang="en-US"/>
           </a:p>
@@ -1414,7 +1414,7 @@
             <a:fld id="{DADD7335-8523-47AF-84EC-C89F81FE965C}" type="datetimeFigureOut">
               <a:rPr lang="en-US" smtClean="0"/>
               <a:pPr/>
-              <a:t>11/12/2012</a:t>
+              <a:t>11/13/2012</a:t>
             </a:fld>
             <a:endParaRPr lang="en-US"/>
           </a:p>
@@ -1703,7 +1703,7 @@
             <a:fld id="{DADD7335-8523-47AF-84EC-C89F81FE965C}" type="datetimeFigureOut">
               <a:rPr lang="en-US" smtClean="0"/>
               <a:pPr/>
-              <a:t>11/12/2012</a:t>
+              <a:t>11/13/2012</a:t>
             </a:fld>
             <a:endParaRPr lang="en-US"/>
           </a:p>
@@ -2127,7 +2127,7 @@
             <a:fld id="{DADD7335-8523-47AF-84EC-C89F81FE965C}" type="datetimeFigureOut">
               <a:rPr lang="en-US" smtClean="0"/>
               <a:pPr/>
-              <a:t>11/12/2012</a:t>
+              <a:t>11/13/2012</a:t>
             </a:fld>
             <a:endParaRPr lang="en-US"/>
           </a:p>
@@ -2244,7 +2244,7 @@
             <a:fld id="{DADD7335-8523-47AF-84EC-C89F81FE965C}" type="datetimeFigureOut">
               <a:rPr lang="en-US" smtClean="0"/>
               <a:pPr/>
-              <a:t>11/12/2012</a:t>
+              <a:t>11/13/2012</a:t>
             </a:fld>
             <a:endParaRPr lang="en-US"/>
           </a:p>
@@ -2336,7 +2336,7 @@
             <a:fld id="{DADD7335-8523-47AF-84EC-C89F81FE965C}" type="datetimeFigureOut">
               <a:rPr lang="en-US" smtClean="0"/>
               <a:pPr/>
-              <a:t>11/12/2012</a:t>
+              <a:t>11/13/2012</a:t>
             </a:fld>
             <a:endParaRPr lang="en-US"/>
           </a:p>
@@ -2616,7 +2616,7 @@
             <a:fld id="{DADD7335-8523-47AF-84EC-C89F81FE965C}" type="datetimeFigureOut">
               <a:rPr lang="en-US" smtClean="0"/>
               <a:pPr/>
-              <a:t>11/12/2012</a:t>
+              <a:t>11/13/2012</a:t>
             </a:fld>
             <a:endParaRPr lang="en-US"/>
           </a:p>
@@ -2984,7 +2984,7 @@
             <a:fld id="{DADD7335-8523-47AF-84EC-C89F81FE965C}" type="datetimeFigureOut">
               <a:rPr lang="en-US" smtClean="0"/>
               <a:pPr/>
-              <a:t>11/12/2012</a:t>
+              <a:t>11/13/2012</a:t>
             </a:fld>
             <a:endParaRPr lang="en-US"/>
           </a:p>
@@ -3423,7 +3423,7 @@
             <a:fld id="{DADD7335-8523-47AF-84EC-C89F81FE965C}" type="datetimeFigureOut">
               <a:rPr lang="en-US" smtClean="0"/>
               <a:pPr/>
-              <a:t>11/12/2012</a:t>
+              <a:t>11/13/2012</a:t>
             </a:fld>
             <a:endParaRPr lang="en-US"/>
           </a:p>
@@ -4228,11 +4228,7 @@
             </a:r>
             <a:r>
               <a:rPr lang="en-US" sz="2200" dirty="0" smtClean="0"/>
-              <a:t> </a:t>
-            </a:r>
-            <a:r>
-              <a:rPr lang="en-US" sz="2200" dirty="0" smtClean="0"/>
-              <a:t>GUI </a:t>
+              <a:t> GUI </a:t>
             </a:r>
             <a:r>
               <a:rPr lang="en-US" sz="2200" dirty="0" err="1" smtClean="0"/>
@@ -5275,11 +5271,7 @@
           <a:p>
             <a:r>
               <a:rPr lang="en-US" dirty="0" smtClean="0"/>
-              <a:t>Lessons </a:t>
-            </a:r>
-            <a:r>
-              <a:rPr lang="en-US" dirty="0" smtClean="0"/>
-              <a:t>Learned And Future Enhancements</a:t>
+              <a:t>Lessons Learned And Future Enhancements</a:t>
             </a:r>
             <a:endParaRPr lang="en-US" dirty="0"/>
           </a:p>

--- a/Documents/ProtoDebuggerPresentation.pptx
+++ b/Documents/ProtoDebuggerPresentation.pptx
@@ -13,9 +13,10 @@
     <p:sldId id="259" r:id="rId7"/>
     <p:sldId id="261" r:id="rId8"/>
     <p:sldId id="271" r:id="rId9"/>
-    <p:sldId id="269" r:id="rId10"/>
-    <p:sldId id="267" r:id="rId11"/>
-    <p:sldId id="263" r:id="rId12"/>
+    <p:sldId id="272" r:id="rId10"/>
+    <p:sldId id="269" r:id="rId11"/>
+    <p:sldId id="267" r:id="rId12"/>
+    <p:sldId id="263" r:id="rId13"/>
   </p:sldIdLst>
   <p:sldSz cx="9144000" cy="6858000" type="screen4x3"/>
   <p:notesSz cx="6858000" cy="9144000"/>
@@ -3962,55 +3963,86 @@
         </p:nvSpPr>
         <p:spPr/>
         <p:txBody>
+          <a:bodyPr>
+            <a:normAutofit fontScale="90000"/>
+          </a:bodyPr>
+          <a:lstStyle/>
+          <a:p>
+            <a:r>
+              <a:rPr lang="en-US" dirty="0" smtClean="0"/>
+              <a:t>Lessons Learned And Future Enhancements</a:t>
+            </a:r>
+            <a:endParaRPr lang="en-US" dirty="0"/>
+          </a:p>
+        </p:txBody>
+      </p:sp>
+      <p:sp>
+        <p:nvSpPr>
+          <p:cNvPr id="3" name="Content Placeholder 2"/>
+          <p:cNvSpPr>
+            <a:spLocks noGrp="1"/>
+          </p:cNvSpPr>
+          <p:nvPr>
+            <p:ph idx="1"/>
+          </p:nvPr>
+        </p:nvSpPr>
+        <p:spPr/>
+        <p:txBody>
           <a:bodyPr/>
           <a:lstStyle/>
           <a:p>
             <a:r>
               <a:rPr lang="en-US" dirty="0" smtClean="0"/>
-              <a:t>References</a:t>
+              <a:t>Lessons Learned</a:t>
+            </a:r>
+          </a:p>
+          <a:p>
+            <a:pPr lvl="1"/>
+            <a:r>
+              <a:rPr lang="en-US" dirty="0" smtClean="0"/>
+              <a:t>Google developed Protocol Buffers differently in C++ than Java</a:t>
+            </a:r>
+          </a:p>
+          <a:p>
+            <a:pPr lvl="1"/>
+            <a:r>
+              <a:rPr lang="en-US" dirty="0" smtClean="0"/>
+              <a:t>Differences in widgets and architecture from QT and RCP</a:t>
             </a:r>
             <a:endParaRPr lang="en-US" dirty="0"/>
           </a:p>
-        </p:txBody>
-      </p:sp>
-      <p:sp>
-        <p:nvSpPr>
-          <p:cNvPr id="3" name="Content Placeholder 2"/>
-          <p:cNvSpPr>
-            <a:spLocks noGrp="1"/>
-          </p:cNvSpPr>
-          <p:nvPr>
-            <p:ph idx="1"/>
-          </p:nvPr>
-        </p:nvSpPr>
-        <p:spPr/>
-        <p:txBody>
-          <a:bodyPr/>
-          <a:lstStyle/>
-          <a:p>
-            <a:r>
-              <a:rPr lang="en-US" sz="2000" dirty="0" smtClean="0"/>
-              <a:t>"Protocol Buffers." </a:t>
-            </a:r>
-            <a:r>
-              <a:rPr lang="en-US" sz="2000" i="1" dirty="0" smtClean="0"/>
-              <a:t>Google Developers</a:t>
-            </a:r>
-            <a:r>
-              <a:rPr lang="en-US" sz="2000" dirty="0" smtClean="0"/>
-              <a:t>. Google, </a:t>
-            </a:r>
-            <a:r>
-              <a:rPr lang="en-US" sz="2000" dirty="0" err="1" smtClean="0"/>
-              <a:t>n.d</a:t>
-            </a:r>
-            <a:r>
-              <a:rPr lang="en-US" sz="2000" dirty="0" smtClean="0"/>
-              <a:t>. Web. 23 Oct. 2012. &lt;https://developers.google.com/protocol-buffers/&gt;.</a:t>
-            </a:r>
-          </a:p>
-          <a:p>
-            <a:endParaRPr lang="en-US" dirty="0"/>
+          <a:p>
+            <a:r>
+              <a:rPr lang="en-US" dirty="0" smtClean="0"/>
+              <a:t>Future Enhancements</a:t>
+            </a:r>
+          </a:p>
+          <a:p>
+            <a:pPr lvl="1"/>
+            <a:r>
+              <a:rPr lang="en-US" dirty="0" smtClean="0"/>
+              <a:t>Dynamic initialization of </a:t>
+            </a:r>
+            <a:r>
+              <a:rPr lang="en-US" dirty="0" err="1" smtClean="0"/>
+              <a:t>ProtoMessages</a:t>
+            </a:r>
+            <a:r>
+              <a:rPr lang="en-US" dirty="0" smtClean="0"/>
+              <a:t> from a directory</a:t>
+            </a:r>
+          </a:p>
+          <a:p>
+            <a:pPr lvl="1"/>
+            <a:r>
+              <a:rPr lang="en-US" dirty="0" smtClean="0"/>
+              <a:t>QT and C++ based </a:t>
+            </a:r>
+            <a:r>
+              <a:rPr lang="en-US" dirty="0" err="1" smtClean="0"/>
+              <a:t>ProtoDebugger</a:t>
+            </a:r>
+            <a:endParaRPr lang="en-US" dirty="0" smtClean="0"/>
           </a:p>
         </p:txBody>
       </p:sp>
@@ -4023,6 +4055,95 @@
 </file>
 
 <file path=ppt/slides/slide11.xml><?xml version="1.0" encoding="utf-8"?>
+<p:sld xmlns:a="http://schemas.openxmlformats.org/drawingml/2006/main" xmlns:r="http://schemas.openxmlformats.org/officeDocument/2006/relationships" xmlns:p="http://schemas.openxmlformats.org/presentationml/2006/main">
+  <p:cSld>
+    <p:spTree>
+      <p:nvGrpSpPr>
+        <p:cNvPr id="1" name=""/>
+        <p:cNvGrpSpPr/>
+        <p:nvPr/>
+      </p:nvGrpSpPr>
+      <p:grpSpPr>
+        <a:xfrm>
+          <a:off x="0" y="0"/>
+          <a:ext cx="0" cy="0"/>
+          <a:chOff x="0" y="0"/>
+          <a:chExt cx="0" cy="0"/>
+        </a:xfrm>
+      </p:grpSpPr>
+      <p:sp>
+        <p:nvSpPr>
+          <p:cNvPr id="2" name="Title 1"/>
+          <p:cNvSpPr>
+            <a:spLocks noGrp="1"/>
+          </p:cNvSpPr>
+          <p:nvPr>
+            <p:ph type="title"/>
+          </p:nvPr>
+        </p:nvSpPr>
+        <p:spPr/>
+        <p:txBody>
+          <a:bodyPr/>
+          <a:lstStyle/>
+          <a:p>
+            <a:r>
+              <a:rPr lang="en-US" dirty="0" smtClean="0"/>
+              <a:t>References</a:t>
+            </a:r>
+            <a:endParaRPr lang="en-US" dirty="0"/>
+          </a:p>
+        </p:txBody>
+      </p:sp>
+      <p:sp>
+        <p:nvSpPr>
+          <p:cNvPr id="3" name="Content Placeholder 2"/>
+          <p:cNvSpPr>
+            <a:spLocks noGrp="1"/>
+          </p:cNvSpPr>
+          <p:nvPr>
+            <p:ph idx="1"/>
+          </p:nvPr>
+        </p:nvSpPr>
+        <p:spPr/>
+        <p:txBody>
+          <a:bodyPr/>
+          <a:lstStyle/>
+          <a:p>
+            <a:r>
+              <a:rPr lang="en-US" sz="2000" dirty="0" smtClean="0"/>
+              <a:t>"Protocol Buffers." </a:t>
+            </a:r>
+            <a:r>
+              <a:rPr lang="en-US" sz="2000" i="1" dirty="0" smtClean="0"/>
+              <a:t>Google Developers</a:t>
+            </a:r>
+            <a:r>
+              <a:rPr lang="en-US" sz="2000" dirty="0" smtClean="0"/>
+              <a:t>. Google, </a:t>
+            </a:r>
+            <a:r>
+              <a:rPr lang="en-US" sz="2000" dirty="0" err="1" smtClean="0"/>
+              <a:t>n.d</a:t>
+            </a:r>
+            <a:r>
+              <a:rPr lang="en-US" sz="2000" dirty="0" smtClean="0"/>
+              <a:t>. Web. 23 Oct. 2012. &lt;https://developers.google.com/protocol-buffers/&gt;.</a:t>
+            </a:r>
+          </a:p>
+          <a:p>
+            <a:endParaRPr lang="en-US" dirty="0"/>
+          </a:p>
+        </p:txBody>
+      </p:sp>
+    </p:spTree>
+  </p:cSld>
+  <p:clrMapOvr>
+    <a:masterClrMapping/>
+  </p:clrMapOvr>
+</p:sld>
+</file>
+
+<file path=ppt/slides/slide12.xml><?xml version="1.0" encoding="utf-8"?>
 <p:sld xmlns:a="http://schemas.openxmlformats.org/drawingml/2006/main" xmlns:r="http://schemas.openxmlformats.org/officeDocument/2006/relationships" xmlns:p="http://schemas.openxmlformats.org/presentationml/2006/main">
   <p:cSld>
     <p:spTree>
@@ -4147,7 +4268,7 @@
         <p:spPr/>
         <p:txBody>
           <a:bodyPr>
-            <a:normAutofit fontScale="70000" lnSpcReduction="20000"/>
+            <a:normAutofit fontScale="62500" lnSpcReduction="20000"/>
           </a:bodyPr>
           <a:lstStyle/>
           <a:p>
@@ -4237,6 +4358,14 @@
             <a:endParaRPr lang="en-US" sz="2200" dirty="0" smtClean="0"/>
           </a:p>
           <a:p>
+            <a:pPr lvl="1"/>
+            <a:r>
+              <a:rPr lang="en-US" sz="2200" dirty="0" smtClean="0"/>
+              <a:t>Demo</a:t>
+            </a:r>
+            <a:endParaRPr lang="en-US" sz="2200" dirty="0" smtClean="0"/>
+          </a:p>
+          <a:p>
             <a:pPr lvl="1">
               <a:buNone/>
             </a:pPr>
@@ -4245,8 +4374,9 @@
           <a:p>
             <a:r>
               <a:rPr lang="en-US" sz="3400" dirty="0" smtClean="0"/>
-              <a:t>Demonstration</a:t>
-            </a:r>
+              <a:t>Lessons Learned and Future Enhancements</a:t>
+            </a:r>
+            <a:endParaRPr lang="en-US" sz="3400" dirty="0" smtClean="0"/>
           </a:p>
           <a:p>
             <a:pPr>
@@ -5227,6 +5357,38 @@
           </a:p>
         </p:txBody>
       </p:sp>
+      <p:pic>
+        <p:nvPicPr>
+          <p:cNvPr id="1027" name="Picture 3"/>
+          <p:cNvPicPr>
+            <a:picLocks noChangeAspect="1" noChangeArrowheads="1"/>
+          </p:cNvPicPr>
+          <p:nvPr/>
+        </p:nvPicPr>
+        <p:blipFill>
+          <a:blip r:embed="rId2" cstate="print"/>
+          <a:srcRect/>
+          <a:stretch>
+            <a:fillRect/>
+          </a:stretch>
+        </p:blipFill>
+        <p:spPr bwMode="auto">
+          <a:xfrm>
+            <a:off x="76200" y="1676400"/>
+            <a:ext cx="8892074" cy="4343400"/>
+          </a:xfrm>
+          <a:prstGeom prst="rect">
+            <a:avLst/>
+          </a:prstGeom>
+          <a:noFill/>
+          <a:ln w="9525">
+            <a:noFill/>
+            <a:miter lim="800000"/>
+            <a:headEnd/>
+            <a:tailEnd/>
+          </a:ln>
+        </p:spPr>
+      </p:pic>
     </p:spTree>
   </p:cSld>
   <p:clrMapOvr>
@@ -5270,83 +5432,53 @@
           <a:lstStyle/>
           <a:p>
             <a:r>
-              <a:rPr lang="en-US" dirty="0" smtClean="0"/>
-              <a:t>Lessons Learned And Future Enhancements</a:t>
-            </a:r>
-            <a:endParaRPr lang="en-US" dirty="0"/>
-          </a:p>
-        </p:txBody>
-      </p:sp>
-      <p:sp>
-        <p:nvSpPr>
-          <p:cNvPr id="3" name="Content Placeholder 2"/>
-          <p:cNvSpPr>
-            <a:spLocks noGrp="1"/>
-          </p:cNvSpPr>
-          <p:nvPr>
-            <p:ph idx="1"/>
-          </p:nvPr>
-        </p:nvSpPr>
-        <p:spPr/>
-        <p:txBody>
-          <a:bodyPr/>
-          <a:lstStyle/>
-          <a:p>
-            <a:r>
-              <a:rPr lang="en-US" dirty="0" smtClean="0"/>
-              <a:t>Lessons Learned</a:t>
-            </a:r>
-          </a:p>
-          <a:p>
-            <a:pPr lvl="1"/>
-            <a:r>
-              <a:rPr lang="en-US" dirty="0" smtClean="0"/>
-              <a:t>Google developed Protocol Buffers differently in C++ than Java</a:t>
-            </a:r>
-          </a:p>
-          <a:p>
-            <a:pPr lvl="1"/>
-            <a:r>
-              <a:rPr lang="en-US" dirty="0" smtClean="0"/>
-              <a:t>Differences in widgets and architecture from QT and RCP</a:t>
-            </a:r>
-            <a:endParaRPr lang="en-US" dirty="0"/>
-          </a:p>
-          <a:p>
-            <a:r>
-              <a:rPr lang="en-US" dirty="0" smtClean="0"/>
-              <a:t>Future Enhancements</a:t>
-            </a:r>
-          </a:p>
-          <a:p>
-            <a:pPr lvl="1"/>
-            <a:r>
-              <a:rPr lang="en-US" dirty="0" smtClean="0"/>
-              <a:t>Dynamic initialization of </a:t>
-            </a:r>
-            <a:r>
-              <a:rPr lang="en-US" dirty="0" err="1" smtClean="0"/>
-              <a:t>ProtoMessages</a:t>
-            </a:r>
-            <a:r>
-              <a:rPr lang="en-US" dirty="0" smtClean="0"/>
-              <a:t> from a directory</a:t>
-            </a:r>
-          </a:p>
-          <a:p>
-            <a:pPr lvl="1"/>
-            <a:r>
-              <a:rPr lang="en-US" dirty="0" smtClean="0"/>
-              <a:t>QT and C++ based </a:t>
-            </a:r>
-            <a:r>
               <a:rPr lang="en-US" dirty="0" err="1" smtClean="0"/>
               <a:t>ProtoDebugger</a:t>
             </a:r>
-            <a:endParaRPr lang="en-US" dirty="0" smtClean="0"/>
-          </a:p>
-        </p:txBody>
-      </p:sp>
+            <a:r>
+              <a:rPr lang="en-US" dirty="0" smtClean="0"/>
+              <a:t> GUI: </a:t>
+            </a:r>
+            <a:r>
+              <a:rPr lang="en-US" dirty="0" err="1" smtClean="0"/>
+              <a:t>ScreenShots</a:t>
+            </a:r>
+            <a:endParaRPr lang="en-US" dirty="0"/>
+          </a:p>
+        </p:txBody>
+      </p:sp>
+      <p:pic>
+        <p:nvPicPr>
+          <p:cNvPr id="2050" name="Picture 2"/>
+          <p:cNvPicPr>
+            <a:picLocks noChangeAspect="1" noChangeArrowheads="1"/>
+          </p:cNvPicPr>
+          <p:nvPr/>
+        </p:nvPicPr>
+        <p:blipFill>
+          <a:blip r:embed="rId2" cstate="print"/>
+          <a:srcRect/>
+          <a:stretch>
+            <a:fillRect/>
+          </a:stretch>
+        </p:blipFill>
+        <p:spPr bwMode="auto">
+          <a:xfrm>
+            <a:off x="76200" y="1752600"/>
+            <a:ext cx="8915400" cy="4434483"/>
+          </a:xfrm>
+          <a:prstGeom prst="rect">
+            <a:avLst/>
+          </a:prstGeom>
+          <a:noFill/>
+          <a:ln w="9525">
+            <a:noFill/>
+            <a:miter lim="800000"/>
+            <a:headEnd/>
+            <a:tailEnd/>
+          </a:ln>
+        </p:spPr>
+      </p:pic>
     </p:spTree>
   </p:cSld>
   <p:clrMapOvr>

--- a/Documents/ProtoDebuggerPresentation.pptx
+++ b/Documents/ProtoDebuggerPresentation.pptx
@@ -4,6 +4,12 @@
   <p:sldMasterIdLst>
     <p:sldMasterId id="2147483672" r:id="rId1"/>
   </p:sldMasterIdLst>
+  <p:notesMasterIdLst>
+    <p:notesMasterId r:id="rId16"/>
+  </p:notesMasterIdLst>
+  <p:handoutMasterIdLst>
+    <p:handoutMasterId r:id="rId17"/>
+  </p:handoutMasterIdLst>
   <p:sldIdLst>
     <p:sldId id="256" r:id="rId2"/>
     <p:sldId id="268" r:id="rId3"/>
@@ -12,11 +18,13 @@
     <p:sldId id="257" r:id="rId6"/>
     <p:sldId id="259" r:id="rId7"/>
     <p:sldId id="261" r:id="rId8"/>
-    <p:sldId id="271" r:id="rId9"/>
-    <p:sldId id="272" r:id="rId10"/>
-    <p:sldId id="269" r:id="rId11"/>
-    <p:sldId id="267" r:id="rId12"/>
-    <p:sldId id="263" r:id="rId13"/>
+    <p:sldId id="274" r:id="rId9"/>
+    <p:sldId id="271" r:id="rId10"/>
+    <p:sldId id="272" r:id="rId11"/>
+    <p:sldId id="269" r:id="rId12"/>
+    <p:sldId id="273" r:id="rId13"/>
+    <p:sldId id="267" r:id="rId14"/>
+    <p:sldId id="263" r:id="rId15"/>
   </p:sldIdLst>
   <p:sldSz cx="9144000" cy="6858000" type="screen4x3"/>
   <p:notesSz cx="6858000" cy="9144000"/>
@@ -118,6 +126,519 @@
 </p:presentation>
 </file>
 
+<file path=ppt/handoutMasters/handoutMaster1.xml><?xml version="1.0" encoding="utf-8"?>
+<p:handoutMaster xmlns:a="http://schemas.openxmlformats.org/drawingml/2006/main" xmlns:r="http://schemas.openxmlformats.org/officeDocument/2006/relationships" xmlns:p="http://schemas.openxmlformats.org/presentationml/2006/main">
+  <p:cSld>
+    <p:bg>
+      <p:bgRef idx="1001">
+        <a:schemeClr val="bg1"/>
+      </p:bgRef>
+    </p:bg>
+    <p:spTree>
+      <p:nvGrpSpPr>
+        <p:cNvPr id="1" name=""/>
+        <p:cNvGrpSpPr/>
+        <p:nvPr/>
+      </p:nvGrpSpPr>
+      <p:grpSpPr>
+        <a:xfrm>
+          <a:off x="0" y="0"/>
+          <a:ext cx="0" cy="0"/>
+          <a:chOff x="0" y="0"/>
+          <a:chExt cx="0" cy="0"/>
+        </a:xfrm>
+      </p:grpSpPr>
+      <p:sp>
+        <p:nvSpPr>
+          <p:cNvPr id="2" name="Header Placeholder 1"/>
+          <p:cNvSpPr>
+            <a:spLocks noGrp="1"/>
+          </p:cNvSpPr>
+          <p:nvPr>
+            <p:ph type="hdr" sz="quarter"/>
+          </p:nvPr>
+        </p:nvSpPr>
+        <p:spPr>
+          <a:xfrm>
+            <a:off x="0" y="0"/>
+            <a:ext cx="2971800" cy="457200"/>
+          </a:xfrm>
+          <a:prstGeom prst="rect">
+            <a:avLst/>
+          </a:prstGeom>
+        </p:spPr>
+        <p:txBody>
+          <a:bodyPr vert="horz" lIns="91440" tIns="45720" rIns="91440" bIns="45720" rtlCol="0"/>
+          <a:lstStyle>
+            <a:lvl1pPr algn="l">
+              <a:defRPr sz="1200"/>
+            </a:lvl1pPr>
+          </a:lstStyle>
+          <a:p>
+            <a:endParaRPr lang="en-US"/>
+          </a:p>
+        </p:txBody>
+      </p:sp>
+      <p:sp>
+        <p:nvSpPr>
+          <p:cNvPr id="3" name="Date Placeholder 2"/>
+          <p:cNvSpPr>
+            <a:spLocks noGrp="1"/>
+          </p:cNvSpPr>
+          <p:nvPr>
+            <p:ph type="dt" sz="quarter" idx="1"/>
+          </p:nvPr>
+        </p:nvSpPr>
+        <p:spPr>
+          <a:xfrm>
+            <a:off x="3884613" y="0"/>
+            <a:ext cx="2971800" cy="457200"/>
+          </a:xfrm>
+          <a:prstGeom prst="rect">
+            <a:avLst/>
+          </a:prstGeom>
+        </p:spPr>
+        <p:txBody>
+          <a:bodyPr vert="horz" lIns="91440" tIns="45720" rIns="91440" bIns="45720" rtlCol="0"/>
+          <a:lstStyle>
+            <a:lvl1pPr algn="r">
+              <a:defRPr sz="1200"/>
+            </a:lvl1pPr>
+          </a:lstStyle>
+          <a:p>
+            <a:fld id="{767A09BB-24D7-4C65-803B-75F5185601A3}" type="datetimeFigureOut">
+              <a:rPr lang="en-US" smtClean="0"/>
+              <a:pPr/>
+              <a:t>11/14/2012</a:t>
+            </a:fld>
+            <a:endParaRPr lang="en-US"/>
+          </a:p>
+        </p:txBody>
+      </p:sp>
+      <p:sp>
+        <p:nvSpPr>
+          <p:cNvPr id="4" name="Footer Placeholder 3"/>
+          <p:cNvSpPr>
+            <a:spLocks noGrp="1"/>
+          </p:cNvSpPr>
+          <p:nvPr>
+            <p:ph type="ftr" sz="quarter" idx="2"/>
+          </p:nvPr>
+        </p:nvSpPr>
+        <p:spPr>
+          <a:xfrm>
+            <a:off x="0" y="8685213"/>
+            <a:ext cx="2971800" cy="457200"/>
+          </a:xfrm>
+          <a:prstGeom prst="rect">
+            <a:avLst/>
+          </a:prstGeom>
+        </p:spPr>
+        <p:txBody>
+          <a:bodyPr vert="horz" lIns="91440" tIns="45720" rIns="91440" bIns="45720" rtlCol="0" anchor="b"/>
+          <a:lstStyle>
+            <a:lvl1pPr algn="l">
+              <a:defRPr sz="1200"/>
+            </a:lvl1pPr>
+          </a:lstStyle>
+          <a:p>
+            <a:endParaRPr lang="en-US"/>
+          </a:p>
+        </p:txBody>
+      </p:sp>
+      <p:sp>
+        <p:nvSpPr>
+          <p:cNvPr id="5" name="Slide Number Placeholder 4"/>
+          <p:cNvSpPr>
+            <a:spLocks noGrp="1"/>
+          </p:cNvSpPr>
+          <p:nvPr>
+            <p:ph type="sldNum" sz="quarter" idx="3"/>
+          </p:nvPr>
+        </p:nvSpPr>
+        <p:spPr>
+          <a:xfrm>
+            <a:off x="3884613" y="8685213"/>
+            <a:ext cx="2971800" cy="457200"/>
+          </a:xfrm>
+          <a:prstGeom prst="rect">
+            <a:avLst/>
+          </a:prstGeom>
+        </p:spPr>
+        <p:txBody>
+          <a:bodyPr vert="horz" lIns="91440" tIns="45720" rIns="91440" bIns="45720" rtlCol="0" anchor="b"/>
+          <a:lstStyle>
+            <a:lvl1pPr algn="r">
+              <a:defRPr sz="1200"/>
+            </a:lvl1pPr>
+          </a:lstStyle>
+          <a:p>
+            <a:fld id="{68F47EF9-DF95-428F-BF62-A6072CD6B37A}" type="slidenum">
+              <a:rPr lang="en-US" smtClean="0"/>
+              <a:pPr/>
+              <a:t>‹#›</a:t>
+            </a:fld>
+            <a:endParaRPr lang="en-US"/>
+          </a:p>
+        </p:txBody>
+      </p:sp>
+    </p:spTree>
+  </p:cSld>
+  <p:clrMap bg1="lt1" tx1="dk1" bg2="lt2" tx2="dk2" accent1="accent1" accent2="accent2" accent3="accent3" accent4="accent4" accent5="accent5" accent6="accent6" hlink="hlink" folHlink="folHlink"/>
+  <p:hf dt="0"/>
+</p:handoutMaster>
+</file>
+
+<file path=ppt/notesMasters/notesMaster1.xml><?xml version="1.0" encoding="utf-8"?>
+<p:notesMaster xmlns:a="http://schemas.openxmlformats.org/drawingml/2006/main" xmlns:r="http://schemas.openxmlformats.org/officeDocument/2006/relationships" xmlns:p="http://schemas.openxmlformats.org/presentationml/2006/main">
+  <p:cSld>
+    <p:bg>
+      <p:bgRef idx="1001">
+        <a:schemeClr val="bg1"/>
+      </p:bgRef>
+    </p:bg>
+    <p:spTree>
+      <p:nvGrpSpPr>
+        <p:cNvPr id="1" name=""/>
+        <p:cNvGrpSpPr/>
+        <p:nvPr/>
+      </p:nvGrpSpPr>
+      <p:grpSpPr>
+        <a:xfrm>
+          <a:off x="0" y="0"/>
+          <a:ext cx="0" cy="0"/>
+          <a:chOff x="0" y="0"/>
+          <a:chExt cx="0" cy="0"/>
+        </a:xfrm>
+      </p:grpSpPr>
+      <p:sp>
+        <p:nvSpPr>
+          <p:cNvPr id="2" name="Header Placeholder 1"/>
+          <p:cNvSpPr>
+            <a:spLocks noGrp="1"/>
+          </p:cNvSpPr>
+          <p:nvPr>
+            <p:ph type="hdr" sz="quarter"/>
+          </p:nvPr>
+        </p:nvSpPr>
+        <p:spPr>
+          <a:xfrm>
+            <a:off x="0" y="0"/>
+            <a:ext cx="2971800" cy="457200"/>
+          </a:xfrm>
+          <a:prstGeom prst="rect">
+            <a:avLst/>
+          </a:prstGeom>
+        </p:spPr>
+        <p:txBody>
+          <a:bodyPr vert="horz" lIns="91440" tIns="45720" rIns="91440" bIns="45720" rtlCol="0"/>
+          <a:lstStyle>
+            <a:lvl1pPr algn="l">
+              <a:defRPr sz="1200"/>
+            </a:lvl1pPr>
+          </a:lstStyle>
+          <a:p>
+            <a:endParaRPr lang="en-US"/>
+          </a:p>
+        </p:txBody>
+      </p:sp>
+      <p:sp>
+        <p:nvSpPr>
+          <p:cNvPr id="3" name="Date Placeholder 2"/>
+          <p:cNvSpPr>
+            <a:spLocks noGrp="1"/>
+          </p:cNvSpPr>
+          <p:nvPr>
+            <p:ph type="dt" idx="1"/>
+          </p:nvPr>
+        </p:nvSpPr>
+        <p:spPr>
+          <a:xfrm>
+            <a:off x="3884613" y="0"/>
+            <a:ext cx="2971800" cy="457200"/>
+          </a:xfrm>
+          <a:prstGeom prst="rect">
+            <a:avLst/>
+          </a:prstGeom>
+        </p:spPr>
+        <p:txBody>
+          <a:bodyPr vert="horz" lIns="91440" tIns="45720" rIns="91440" bIns="45720" rtlCol="0"/>
+          <a:lstStyle>
+            <a:lvl1pPr algn="r">
+              <a:defRPr sz="1200"/>
+            </a:lvl1pPr>
+          </a:lstStyle>
+          <a:p>
+            <a:fld id="{8363C6F4-2516-4709-AE6D-9EBACA5F280F}" type="datetimeFigureOut">
+              <a:rPr lang="en-US" smtClean="0"/>
+              <a:pPr/>
+              <a:t>11/14/2012</a:t>
+            </a:fld>
+            <a:endParaRPr lang="en-US"/>
+          </a:p>
+        </p:txBody>
+      </p:sp>
+      <p:sp>
+        <p:nvSpPr>
+          <p:cNvPr id="4" name="Slide Image Placeholder 3"/>
+          <p:cNvSpPr>
+            <a:spLocks noGrp="1" noRot="1" noChangeAspect="1"/>
+          </p:cNvSpPr>
+          <p:nvPr>
+            <p:ph type="sldImg" idx="2"/>
+          </p:nvPr>
+        </p:nvSpPr>
+        <p:spPr>
+          <a:xfrm>
+            <a:off x="1143000" y="685800"/>
+            <a:ext cx="4572000" cy="3429000"/>
+          </a:xfrm>
+          <a:prstGeom prst="rect">
+            <a:avLst/>
+          </a:prstGeom>
+          <a:noFill/>
+          <a:ln w="12700">
+            <a:solidFill>
+              <a:prstClr val="black"/>
+            </a:solidFill>
+          </a:ln>
+        </p:spPr>
+        <p:txBody>
+          <a:bodyPr vert="horz" lIns="91440" tIns="45720" rIns="91440" bIns="45720" rtlCol="0" anchor="ctr"/>
+          <a:lstStyle/>
+          <a:p>
+            <a:endParaRPr lang="en-US"/>
+          </a:p>
+        </p:txBody>
+      </p:sp>
+      <p:sp>
+        <p:nvSpPr>
+          <p:cNvPr id="5" name="Notes Placeholder 4"/>
+          <p:cNvSpPr>
+            <a:spLocks noGrp="1"/>
+          </p:cNvSpPr>
+          <p:nvPr>
+            <p:ph type="body" sz="quarter" idx="3"/>
+          </p:nvPr>
+        </p:nvSpPr>
+        <p:spPr>
+          <a:xfrm>
+            <a:off x="685800" y="4343400"/>
+            <a:ext cx="5486400" cy="4114800"/>
+          </a:xfrm>
+          <a:prstGeom prst="rect">
+            <a:avLst/>
+          </a:prstGeom>
+        </p:spPr>
+        <p:txBody>
+          <a:bodyPr vert="horz" lIns="91440" tIns="45720" rIns="91440" bIns="45720" rtlCol="0">
+            <a:normAutofit/>
+          </a:bodyPr>
+          <a:lstStyle/>
+          <a:p>
+            <a:pPr lvl="0"/>
+            <a:r>
+              <a:rPr lang="en-US" smtClean="0"/>
+              <a:t>Click to edit Master text styles</a:t>
+            </a:r>
+          </a:p>
+          <a:p>
+            <a:pPr lvl="1"/>
+            <a:r>
+              <a:rPr lang="en-US" smtClean="0"/>
+              <a:t>Second level</a:t>
+            </a:r>
+          </a:p>
+          <a:p>
+            <a:pPr lvl="2"/>
+            <a:r>
+              <a:rPr lang="en-US" smtClean="0"/>
+              <a:t>Third level</a:t>
+            </a:r>
+          </a:p>
+          <a:p>
+            <a:pPr lvl="3"/>
+            <a:r>
+              <a:rPr lang="en-US" smtClean="0"/>
+              <a:t>Fourth level</a:t>
+            </a:r>
+          </a:p>
+          <a:p>
+            <a:pPr lvl="4"/>
+            <a:r>
+              <a:rPr lang="en-US" smtClean="0"/>
+              <a:t>Fifth level</a:t>
+            </a:r>
+            <a:endParaRPr lang="en-US"/>
+          </a:p>
+        </p:txBody>
+      </p:sp>
+      <p:sp>
+        <p:nvSpPr>
+          <p:cNvPr id="6" name="Footer Placeholder 5"/>
+          <p:cNvSpPr>
+            <a:spLocks noGrp="1"/>
+          </p:cNvSpPr>
+          <p:nvPr>
+            <p:ph type="ftr" sz="quarter" idx="4"/>
+          </p:nvPr>
+        </p:nvSpPr>
+        <p:spPr>
+          <a:xfrm>
+            <a:off x="0" y="8685213"/>
+            <a:ext cx="2971800" cy="457200"/>
+          </a:xfrm>
+          <a:prstGeom prst="rect">
+            <a:avLst/>
+          </a:prstGeom>
+        </p:spPr>
+        <p:txBody>
+          <a:bodyPr vert="horz" lIns="91440" tIns="45720" rIns="91440" bIns="45720" rtlCol="0" anchor="b"/>
+          <a:lstStyle>
+            <a:lvl1pPr algn="l">
+              <a:defRPr sz="1200"/>
+            </a:lvl1pPr>
+          </a:lstStyle>
+          <a:p>
+            <a:endParaRPr lang="en-US"/>
+          </a:p>
+        </p:txBody>
+      </p:sp>
+      <p:sp>
+        <p:nvSpPr>
+          <p:cNvPr id="7" name="Slide Number Placeholder 6"/>
+          <p:cNvSpPr>
+            <a:spLocks noGrp="1"/>
+          </p:cNvSpPr>
+          <p:nvPr>
+            <p:ph type="sldNum" sz="quarter" idx="5"/>
+          </p:nvPr>
+        </p:nvSpPr>
+        <p:spPr>
+          <a:xfrm>
+            <a:off x="3884613" y="8685213"/>
+            <a:ext cx="2971800" cy="457200"/>
+          </a:xfrm>
+          <a:prstGeom prst="rect">
+            <a:avLst/>
+          </a:prstGeom>
+        </p:spPr>
+        <p:txBody>
+          <a:bodyPr vert="horz" lIns="91440" tIns="45720" rIns="91440" bIns="45720" rtlCol="0" anchor="b"/>
+          <a:lstStyle>
+            <a:lvl1pPr algn="r">
+              <a:defRPr sz="1200"/>
+            </a:lvl1pPr>
+          </a:lstStyle>
+          <a:p>
+            <a:fld id="{61028800-8C07-41FE-B13C-0E17F81E7B5B}" type="slidenum">
+              <a:rPr lang="en-US" smtClean="0"/>
+              <a:pPr/>
+              <a:t>‹#›</a:t>
+            </a:fld>
+            <a:endParaRPr lang="en-US"/>
+          </a:p>
+        </p:txBody>
+      </p:sp>
+    </p:spTree>
+  </p:cSld>
+  <p:clrMap bg1="lt1" tx1="dk1" bg2="lt2" tx2="dk2" accent1="accent1" accent2="accent2" accent3="accent3" accent4="accent4" accent5="accent5" accent6="accent6" hlink="hlink" folHlink="folHlink"/>
+  <p:hf dt="0"/>
+  <p:notesStyle>
+    <a:lvl1pPr marL="0" algn="l" defTabSz="914400" rtl="0" eaLnBrk="1" latinLnBrk="0" hangingPunct="1">
+      <a:defRPr sz="1200" kern="1200">
+        <a:solidFill>
+          <a:schemeClr val="tx1"/>
+        </a:solidFill>
+        <a:latin typeface="+mn-lt"/>
+        <a:ea typeface="+mn-ea"/>
+        <a:cs typeface="+mn-cs"/>
+      </a:defRPr>
+    </a:lvl1pPr>
+    <a:lvl2pPr marL="457200" algn="l" defTabSz="914400" rtl="0" eaLnBrk="1" latinLnBrk="0" hangingPunct="1">
+      <a:defRPr sz="1200" kern="1200">
+        <a:solidFill>
+          <a:schemeClr val="tx1"/>
+        </a:solidFill>
+        <a:latin typeface="+mn-lt"/>
+        <a:ea typeface="+mn-ea"/>
+        <a:cs typeface="+mn-cs"/>
+      </a:defRPr>
+    </a:lvl2pPr>
+    <a:lvl3pPr marL="914400" algn="l" defTabSz="914400" rtl="0" eaLnBrk="1" latinLnBrk="0" hangingPunct="1">
+      <a:defRPr sz="1200" kern="1200">
+        <a:solidFill>
+          <a:schemeClr val="tx1"/>
+        </a:solidFill>
+        <a:latin typeface="+mn-lt"/>
+        <a:ea typeface="+mn-ea"/>
+        <a:cs typeface="+mn-cs"/>
+      </a:defRPr>
+    </a:lvl3pPr>
+    <a:lvl4pPr marL="1371600" algn="l" defTabSz="914400" rtl="0" eaLnBrk="1" latinLnBrk="0" hangingPunct="1">
+      <a:defRPr sz="1200" kern="1200">
+        <a:solidFill>
+          <a:schemeClr val="tx1"/>
+        </a:solidFill>
+        <a:latin typeface="+mn-lt"/>
+        <a:ea typeface="+mn-ea"/>
+        <a:cs typeface="+mn-cs"/>
+      </a:defRPr>
+    </a:lvl4pPr>
+    <a:lvl5pPr marL="1828800" algn="l" defTabSz="914400" rtl="0" eaLnBrk="1" latinLnBrk="0" hangingPunct="1">
+      <a:defRPr sz="1200" kern="1200">
+        <a:solidFill>
+          <a:schemeClr val="tx1"/>
+        </a:solidFill>
+        <a:latin typeface="+mn-lt"/>
+        <a:ea typeface="+mn-ea"/>
+        <a:cs typeface="+mn-cs"/>
+      </a:defRPr>
+    </a:lvl5pPr>
+    <a:lvl6pPr marL="2286000" algn="l" defTabSz="914400" rtl="0" eaLnBrk="1" latinLnBrk="0" hangingPunct="1">
+      <a:defRPr sz="1200" kern="1200">
+        <a:solidFill>
+          <a:schemeClr val="tx1"/>
+        </a:solidFill>
+        <a:latin typeface="+mn-lt"/>
+        <a:ea typeface="+mn-ea"/>
+        <a:cs typeface="+mn-cs"/>
+      </a:defRPr>
+    </a:lvl6pPr>
+    <a:lvl7pPr marL="2743200" algn="l" defTabSz="914400" rtl="0" eaLnBrk="1" latinLnBrk="0" hangingPunct="1">
+      <a:defRPr sz="1200" kern="1200">
+        <a:solidFill>
+          <a:schemeClr val="tx1"/>
+        </a:solidFill>
+        <a:latin typeface="+mn-lt"/>
+        <a:ea typeface="+mn-ea"/>
+        <a:cs typeface="+mn-cs"/>
+      </a:defRPr>
+    </a:lvl7pPr>
+    <a:lvl8pPr marL="3200400" algn="l" defTabSz="914400" rtl="0" eaLnBrk="1" latinLnBrk="0" hangingPunct="1">
+      <a:defRPr sz="1200" kern="1200">
+        <a:solidFill>
+          <a:schemeClr val="tx1"/>
+        </a:solidFill>
+        <a:latin typeface="+mn-lt"/>
+        <a:ea typeface="+mn-ea"/>
+        <a:cs typeface="+mn-cs"/>
+      </a:defRPr>
+    </a:lvl8pPr>
+    <a:lvl9pPr marL="3657600" algn="l" defTabSz="914400" rtl="0" eaLnBrk="1" latinLnBrk="0" hangingPunct="1">
+      <a:defRPr sz="1200" kern="1200">
+        <a:solidFill>
+          <a:schemeClr val="tx1"/>
+        </a:solidFill>
+        <a:latin typeface="+mn-lt"/>
+        <a:ea typeface="+mn-ea"/>
+        <a:cs typeface="+mn-cs"/>
+      </a:defRPr>
+    </a:lvl9pPr>
+  </p:notesStyle>
+</p:notesMaster>
+</file>
+
 <file path=ppt/slideLayouts/slideLayout1.xml><?xml version="1.0" encoding="utf-8"?>
 <p:sldLayout xmlns:a="http://schemas.openxmlformats.org/drawingml/2006/main" xmlns:r="http://schemas.openxmlformats.org/officeDocument/2006/relationships" xmlns:p="http://schemas.openxmlformats.org/presentationml/2006/main" showMasterSp="0" type="title" preserve="1">
   <p:cSld name="Title Slide">
@@ -367,7 +888,7 @@
             <a:fld id="{DADD7335-8523-47AF-84EC-C89F81FE965C}" type="datetimeFigureOut">
               <a:rPr lang="en-US" smtClean="0"/>
               <a:pPr/>
-              <a:t>11/13/2012</a:t>
+              <a:t>11/14/2012</a:t>
             </a:fld>
             <a:endParaRPr lang="en-US"/>
           </a:p>
@@ -592,7 +1113,7 @@
             <a:fld id="{DADD7335-8523-47AF-84EC-C89F81FE965C}" type="datetimeFigureOut">
               <a:rPr lang="en-US" smtClean="0"/>
               <a:pPr/>
-              <a:t>11/13/2012</a:t>
+              <a:t>11/14/2012</a:t>
             </a:fld>
             <a:endParaRPr lang="en-US"/>
           </a:p>
@@ -874,7 +1395,7 @@
             <a:fld id="{DADD7335-8523-47AF-84EC-C89F81FE965C}" type="datetimeFigureOut">
               <a:rPr lang="en-US" smtClean="0"/>
               <a:pPr/>
-              <a:t>11/13/2012</a:t>
+              <a:t>11/14/2012</a:t>
             </a:fld>
             <a:endParaRPr lang="en-US"/>
           </a:p>
@@ -1055,7 +1576,7 @@
             <a:fld id="{DADD7335-8523-47AF-84EC-C89F81FE965C}" type="datetimeFigureOut">
               <a:rPr lang="en-US" smtClean="0"/>
               <a:pPr/>
-              <a:t>11/13/2012</a:t>
+              <a:t>11/14/2012</a:t>
             </a:fld>
             <a:endParaRPr lang="en-US"/>
           </a:p>
@@ -1415,7 +1936,7 @@
             <a:fld id="{DADD7335-8523-47AF-84EC-C89F81FE965C}" type="datetimeFigureOut">
               <a:rPr lang="en-US" smtClean="0"/>
               <a:pPr/>
-              <a:t>11/13/2012</a:t>
+              <a:t>11/14/2012</a:t>
             </a:fld>
             <a:endParaRPr lang="en-US"/>
           </a:p>
@@ -1704,7 +2225,7 @@
             <a:fld id="{DADD7335-8523-47AF-84EC-C89F81FE965C}" type="datetimeFigureOut">
               <a:rPr lang="en-US" smtClean="0"/>
               <a:pPr/>
-              <a:t>11/13/2012</a:t>
+              <a:t>11/14/2012</a:t>
             </a:fld>
             <a:endParaRPr lang="en-US"/>
           </a:p>
@@ -2128,7 +2649,7 @@
             <a:fld id="{DADD7335-8523-47AF-84EC-C89F81FE965C}" type="datetimeFigureOut">
               <a:rPr lang="en-US" smtClean="0"/>
               <a:pPr/>
-              <a:t>11/13/2012</a:t>
+              <a:t>11/14/2012</a:t>
             </a:fld>
             <a:endParaRPr lang="en-US"/>
           </a:p>
@@ -2245,7 +2766,7 @@
             <a:fld id="{DADD7335-8523-47AF-84EC-C89F81FE965C}" type="datetimeFigureOut">
               <a:rPr lang="en-US" smtClean="0"/>
               <a:pPr/>
-              <a:t>11/13/2012</a:t>
+              <a:t>11/14/2012</a:t>
             </a:fld>
             <a:endParaRPr lang="en-US"/>
           </a:p>
@@ -2337,7 +2858,7 @@
             <a:fld id="{DADD7335-8523-47AF-84EC-C89F81FE965C}" type="datetimeFigureOut">
               <a:rPr lang="en-US" smtClean="0"/>
               <a:pPr/>
-              <a:t>11/13/2012</a:t>
+              <a:t>11/14/2012</a:t>
             </a:fld>
             <a:endParaRPr lang="en-US"/>
           </a:p>
@@ -2617,7 +3138,7 @@
             <a:fld id="{DADD7335-8523-47AF-84EC-C89F81FE965C}" type="datetimeFigureOut">
               <a:rPr lang="en-US" smtClean="0"/>
               <a:pPr/>
-              <a:t>11/13/2012</a:t>
+              <a:t>11/14/2012</a:t>
             </a:fld>
             <a:endParaRPr lang="en-US"/>
           </a:p>
@@ -2985,7 +3506,7 @@
             <a:fld id="{DADD7335-8523-47AF-84EC-C89F81FE965C}" type="datetimeFigureOut">
               <a:rPr lang="en-US" smtClean="0"/>
               <a:pPr/>
-              <a:t>11/13/2012</a:t>
+              <a:t>11/14/2012</a:t>
             </a:fld>
             <a:endParaRPr lang="en-US"/>
           </a:p>
@@ -3178,6 +3699,46 @@
           <a:chExt cx="0" cy="0"/>
         </a:xfrm>
       </p:grpSpPr>
+      <p:sp>
+        <p:nvSpPr>
+          <p:cNvPr id="5" name="Footer Placeholder 4"/>
+          <p:cNvSpPr>
+            <a:spLocks noGrp="1"/>
+          </p:cNvSpPr>
+          <p:nvPr>
+            <p:ph type="ftr" sz="quarter" idx="3"/>
+          </p:nvPr>
+        </p:nvSpPr>
+        <p:spPr>
+          <a:xfrm>
+            <a:off x="4525800" y="6576368"/>
+            <a:ext cx="92398" cy="230832"/>
+          </a:xfrm>
+          <a:prstGeom prst="rect">
+            <a:avLst/>
+          </a:prstGeom>
+        </p:spPr>
+        <p:txBody>
+          <a:bodyPr vert="horz" wrap="none" lIns="45720" rIns="45720" bIns="0" rtlCol="0" anchor="b" anchorCtr="1">
+            <a:spAutoFit/>
+          </a:bodyPr>
+          <a:lstStyle>
+            <a:lvl1pPr algn="l" eaLnBrk="1" latinLnBrk="0" hangingPunct="1">
+              <a:defRPr kumimoji="0" sz="1200">
+                <a:solidFill>
+                  <a:schemeClr val="tx1">
+                    <a:tint val="95000"/>
+                  </a:schemeClr>
+                </a:solidFill>
+              </a:defRPr>
+            </a:lvl1pPr>
+            <a:extLst/>
+          </a:lstStyle>
+          <a:p>
+            <a:endParaRPr lang="en-US"/>
+          </a:p>
+        </p:txBody>
+      </p:sp>
       <p:sp>
         <p:nvSpPr>
           <p:cNvPr id="10" name="Rectangle 9"/>
@@ -3424,46 +3985,8 @@
             <a:fld id="{DADD7335-8523-47AF-84EC-C89F81FE965C}" type="datetimeFigureOut">
               <a:rPr lang="en-US" smtClean="0"/>
               <a:pPr/>
-              <a:t>11/13/2012</a:t>
+              <a:t>11/14/2012</a:t>
             </a:fld>
-            <a:endParaRPr lang="en-US"/>
-          </a:p>
-        </p:txBody>
-      </p:sp>
-      <p:sp>
-        <p:nvSpPr>
-          <p:cNvPr id="5" name="Footer Placeholder 4"/>
-          <p:cNvSpPr>
-            <a:spLocks noGrp="1"/>
-          </p:cNvSpPr>
-          <p:nvPr>
-            <p:ph type="ftr" sz="quarter" idx="3"/>
-          </p:nvPr>
-        </p:nvSpPr>
-        <p:spPr>
-          <a:xfrm>
-            <a:off x="2640596" y="6476999"/>
-            <a:ext cx="5507719" cy="274320"/>
-          </a:xfrm>
-          <a:prstGeom prst="rect">
-            <a:avLst/>
-          </a:prstGeom>
-        </p:spPr>
-        <p:txBody>
-          <a:bodyPr vert="horz" lIns="45720" rIns="45720" bIns="0" rtlCol="0" anchor="b"/>
-          <a:lstStyle>
-            <a:lvl1pPr algn="l" eaLnBrk="1" latinLnBrk="0" hangingPunct="1">
-              <a:defRPr kumimoji="0" sz="1200">
-                <a:solidFill>
-                  <a:schemeClr val="tx1">
-                    <a:tint val="95000"/>
-                  </a:schemeClr>
-                </a:solidFill>
-              </a:defRPr>
-            </a:lvl1pPr>
-            <a:extLst/>
-          </a:lstStyle>
-          <a:p>
             <a:endParaRPr lang="en-US"/>
           </a:p>
         </p:txBody>
@@ -3833,6 +4356,32 @@
       </p:grpSpPr>
       <p:sp>
         <p:nvSpPr>
+          <p:cNvPr id="5" name="Footer Placeholder 4"/>
+          <p:cNvSpPr>
+            <a:spLocks noGrp="1"/>
+          </p:cNvSpPr>
+          <p:nvPr>
+            <p:ph type="ftr" sz="quarter" idx="11"/>
+          </p:nvPr>
+        </p:nvSpPr>
+        <p:spPr>
+          <a:xfrm>
+            <a:off x="4525800" y="6576368"/>
+            <a:ext cx="92398" cy="230832"/>
+          </a:xfrm>
+        </p:spPr>
+        <p:txBody>
+          <a:bodyPr wrap="none" anchor="b" anchorCtr="1">
+            <a:spAutoFit/>
+          </a:bodyPr>
+          <a:lstStyle/>
+          <a:p>
+            <a:endParaRPr lang="en-US"/>
+          </a:p>
+        </p:txBody>
+      </p:sp>
+      <p:sp>
+        <p:nvSpPr>
           <p:cNvPr id="2" name="Title 1"/>
           <p:cNvSpPr>
             <a:spLocks noGrp="1"/>
@@ -3969,21 +4518,61 @@
           <a:lstStyle/>
           <a:p>
             <a:r>
+              <a:rPr lang="en-US" dirty="0" err="1" smtClean="0"/>
+              <a:t>ProtoDebugger</a:t>
+            </a:r>
+            <a:r>
               <a:rPr lang="en-US" dirty="0" smtClean="0"/>
-              <a:t>Lessons Learned And Future Enhancements</a:t>
+              <a:t> GUI: </a:t>
+            </a:r>
+            <a:r>
+              <a:rPr lang="en-US" dirty="0" err="1" smtClean="0"/>
+              <a:t>ScreenShots</a:t>
             </a:r>
             <a:endParaRPr lang="en-US" dirty="0"/>
           </a:p>
         </p:txBody>
       </p:sp>
-      <p:sp>
-        <p:nvSpPr>
-          <p:cNvPr id="3" name="Content Placeholder 2"/>
-          <p:cNvSpPr>
-            <a:spLocks noGrp="1"/>
-          </p:cNvSpPr>
-          <p:nvPr>
-            <p:ph idx="1"/>
+      <p:pic>
+        <p:nvPicPr>
+          <p:cNvPr id="2050" name="Picture 2"/>
+          <p:cNvPicPr>
+            <a:picLocks noChangeAspect="1" noChangeArrowheads="1"/>
+          </p:cNvPicPr>
+          <p:nvPr/>
+        </p:nvPicPr>
+        <p:blipFill>
+          <a:blip r:embed="rId2" cstate="print"/>
+          <a:srcRect/>
+          <a:stretch>
+            <a:fillRect/>
+          </a:stretch>
+        </p:blipFill>
+        <p:spPr bwMode="auto">
+          <a:xfrm>
+            <a:off x="76200" y="1752600"/>
+            <a:ext cx="8915400" cy="4434483"/>
+          </a:xfrm>
+          <a:prstGeom prst="rect">
+            <a:avLst/>
+          </a:prstGeom>
+          <a:noFill/>
+          <a:ln w="9525">
+            <a:noFill/>
+            <a:miter lim="800000"/>
+            <a:headEnd/>
+            <a:tailEnd/>
+          </a:ln>
+        </p:spPr>
+      </p:pic>
+      <p:sp>
+        <p:nvSpPr>
+          <p:cNvPr id="4" name="Footer Placeholder 3"/>
+          <p:cNvSpPr>
+            <a:spLocks noGrp="1"/>
+          </p:cNvSpPr>
+          <p:nvPr>
+            <p:ph type="ftr" sz="quarter" idx="11"/>
           </p:nvPr>
         </p:nvSpPr>
         <p:spPr/>
@@ -3991,58 +4580,7 @@
           <a:bodyPr/>
           <a:lstStyle/>
           <a:p>
-            <a:r>
-              <a:rPr lang="en-US" dirty="0" smtClean="0"/>
-              <a:t>Lessons Learned</a:t>
-            </a:r>
-          </a:p>
-          <a:p>
-            <a:pPr lvl="1"/>
-            <a:r>
-              <a:rPr lang="en-US" dirty="0" smtClean="0"/>
-              <a:t>Google developed Protocol Buffers differently in C++ than Java</a:t>
-            </a:r>
-          </a:p>
-          <a:p>
-            <a:pPr lvl="1"/>
-            <a:r>
-              <a:rPr lang="en-US" dirty="0" smtClean="0"/>
-              <a:t>Differences in widgets and architecture from QT and RCP</a:t>
-            </a:r>
-            <a:endParaRPr lang="en-US" dirty="0"/>
-          </a:p>
-          <a:p>
-            <a:r>
-              <a:rPr lang="en-US" dirty="0" smtClean="0"/>
-              <a:t>Future Enhancements</a:t>
-            </a:r>
-          </a:p>
-          <a:p>
-            <a:pPr lvl="1"/>
-            <a:r>
-              <a:rPr lang="en-US" dirty="0" smtClean="0"/>
-              <a:t>Dynamic initialization of </a:t>
-            </a:r>
-            <a:r>
-              <a:rPr lang="en-US" dirty="0" err="1" smtClean="0"/>
-              <a:t>ProtoMessages</a:t>
-            </a:r>
-            <a:r>
-              <a:rPr lang="en-US" dirty="0" smtClean="0"/>
-              <a:t> from a directory</a:t>
-            </a:r>
-          </a:p>
-          <a:p>
-            <a:pPr lvl="1"/>
-            <a:r>
-              <a:rPr lang="en-US" dirty="0" smtClean="0"/>
-              <a:t>QT and C++ based </a:t>
-            </a:r>
-            <a:r>
-              <a:rPr lang="en-US" dirty="0" err="1" smtClean="0"/>
-              <a:t>ProtoDebugger</a:t>
-            </a:r>
-            <a:endParaRPr lang="en-US" dirty="0" smtClean="0"/>
+            <a:endParaRPr lang="en-US"/>
           </a:p>
         </p:txBody>
       </p:sp>
@@ -4083,25 +4621,97 @@
         </p:nvSpPr>
         <p:spPr/>
         <p:txBody>
+          <a:bodyPr>
+            <a:normAutofit/>
+          </a:bodyPr>
+          <a:lstStyle/>
+          <a:p>
+            <a:r>
+              <a:rPr lang="en-US" dirty="0" smtClean="0"/>
+              <a:t>Lessons </a:t>
+            </a:r>
+            <a:r>
+              <a:rPr lang="en-US" dirty="0" smtClean="0"/>
+              <a:t>Learned</a:t>
+            </a:r>
+            <a:endParaRPr lang="en-US" dirty="0"/>
+          </a:p>
+        </p:txBody>
+      </p:sp>
+      <p:sp>
+        <p:nvSpPr>
+          <p:cNvPr id="3" name="Content Placeholder 2"/>
+          <p:cNvSpPr>
+            <a:spLocks noGrp="1"/>
+          </p:cNvSpPr>
+          <p:nvPr>
+            <p:ph idx="1"/>
+          </p:nvPr>
+        </p:nvSpPr>
+        <p:spPr/>
+        <p:txBody>
           <a:bodyPr/>
           <a:lstStyle/>
           <a:p>
             <a:r>
               <a:rPr lang="en-US" dirty="0" smtClean="0"/>
-              <a:t>References</a:t>
-            </a:r>
+              <a:t>Google </a:t>
+            </a:r>
+            <a:r>
+              <a:rPr lang="en-US" dirty="0" smtClean="0"/>
+              <a:t>developed Protocol Buffers differently in C++ than </a:t>
+            </a:r>
+            <a:r>
+              <a:rPr lang="en-US" dirty="0" smtClean="0"/>
+              <a:t>Java</a:t>
+            </a:r>
+          </a:p>
+          <a:p>
+            <a:pPr lvl="1"/>
+            <a:r>
+              <a:rPr lang="en-US" dirty="0" smtClean="0"/>
+              <a:t>No Builder class in C++ for constructing messages</a:t>
+            </a:r>
+            <a:endParaRPr lang="en-US" dirty="0" smtClean="0"/>
+          </a:p>
+          <a:p>
+            <a:r>
+              <a:rPr lang="en-US" dirty="0" smtClean="0"/>
+              <a:t>Differences in widgets and architecture from QT and </a:t>
+            </a:r>
+            <a:r>
+              <a:rPr lang="en-US" dirty="0" smtClean="0"/>
+              <a:t>RCP</a:t>
+            </a:r>
+          </a:p>
+          <a:p>
+            <a:pPr lvl="1"/>
+            <a:r>
+              <a:rPr lang="en-US" dirty="0" smtClean="0"/>
+              <a:t>The look and feel of QT Widgets different from RCP</a:t>
+            </a:r>
+          </a:p>
+          <a:p>
+            <a:pPr lvl="1"/>
+            <a:r>
+              <a:rPr lang="en-US" dirty="0" smtClean="0"/>
+              <a:t>Would need to create a different application than have a IDE plug-in environment</a:t>
+            </a:r>
+          </a:p>
+          <a:p>
+            <a:pPr lvl="1"/>
             <a:endParaRPr lang="en-US" dirty="0"/>
           </a:p>
         </p:txBody>
       </p:sp>
       <p:sp>
         <p:nvSpPr>
-          <p:cNvPr id="3" name="Content Placeholder 2"/>
-          <p:cNvSpPr>
-            <a:spLocks noGrp="1"/>
-          </p:cNvSpPr>
-          <p:nvPr>
-            <p:ph idx="1"/>
+          <p:cNvPr id="4" name="Footer Placeholder 3"/>
+          <p:cNvSpPr>
+            <a:spLocks noGrp="1"/>
+          </p:cNvSpPr>
+          <p:nvPr>
+            <p:ph type="ftr" sz="quarter" idx="11"/>
           </p:nvPr>
         </p:nvSpPr>
         <p:spPr/>
@@ -4109,29 +4719,7 @@
           <a:bodyPr/>
           <a:lstStyle/>
           <a:p>
-            <a:r>
-              <a:rPr lang="en-US" sz="2000" dirty="0" smtClean="0"/>
-              <a:t>"Protocol Buffers." </a:t>
-            </a:r>
-            <a:r>
-              <a:rPr lang="en-US" sz="2000" i="1" dirty="0" smtClean="0"/>
-              <a:t>Google Developers</a:t>
-            </a:r>
-            <a:r>
-              <a:rPr lang="en-US" sz="2000" dirty="0" smtClean="0"/>
-              <a:t>. Google, </a:t>
-            </a:r>
-            <a:r>
-              <a:rPr lang="en-US" sz="2000" dirty="0" err="1" smtClean="0"/>
-              <a:t>n.d</a:t>
-            </a:r>
-            <a:r>
-              <a:rPr lang="en-US" sz="2000" dirty="0" smtClean="0"/>
-              <a:t>. Web. 23 Oct. 2012. &lt;https://developers.google.com/protocol-buffers/&gt;.</a:t>
-            </a:r>
-          </a:p>
-          <a:p>
-            <a:endParaRPr lang="en-US" dirty="0"/>
+            <a:endParaRPr lang="en-US"/>
           </a:p>
         </p:txBody>
       </p:sp>
@@ -4177,6 +4765,237 @@
           <a:p>
             <a:r>
               <a:rPr lang="en-US" dirty="0" smtClean="0"/>
+              <a:t>Future Enhancements</a:t>
+            </a:r>
+            <a:endParaRPr lang="en-US" dirty="0"/>
+          </a:p>
+        </p:txBody>
+      </p:sp>
+      <p:sp>
+        <p:nvSpPr>
+          <p:cNvPr id="3" name="Content Placeholder 2"/>
+          <p:cNvSpPr>
+            <a:spLocks noGrp="1"/>
+          </p:cNvSpPr>
+          <p:nvPr>
+            <p:ph idx="1"/>
+          </p:nvPr>
+        </p:nvSpPr>
+        <p:spPr/>
+        <p:txBody>
+          <a:bodyPr/>
+          <a:lstStyle/>
+          <a:p>
+            <a:r>
+              <a:rPr lang="en-US" dirty="0" smtClean="0"/>
+              <a:t>Dynamic </a:t>
+            </a:r>
+            <a:r>
+              <a:rPr lang="en-US" dirty="0" smtClean="0"/>
+              <a:t>initialization of </a:t>
+            </a:r>
+            <a:r>
+              <a:rPr lang="en-US" dirty="0" err="1" smtClean="0"/>
+              <a:t>ProtoMessages</a:t>
+            </a:r>
+            <a:r>
+              <a:rPr lang="en-US" dirty="0" smtClean="0"/>
+              <a:t> from a directory</a:t>
+            </a:r>
+          </a:p>
+          <a:p>
+            <a:r>
+              <a:rPr lang="en-US" dirty="0" smtClean="0"/>
+              <a:t>QT and C++ based </a:t>
+            </a:r>
+            <a:r>
+              <a:rPr lang="en-US" dirty="0" err="1" smtClean="0"/>
+              <a:t>ProtoDebugger</a:t>
+            </a:r>
+            <a:endParaRPr lang="en-US" dirty="0" smtClean="0"/>
+          </a:p>
+          <a:p>
+            <a:pPr lvl="1">
+              <a:buNone/>
+            </a:pPr>
+            <a:endParaRPr lang="en-US" dirty="0" smtClean="0"/>
+          </a:p>
+          <a:p>
+            <a:endParaRPr lang="en-US" dirty="0"/>
+          </a:p>
+        </p:txBody>
+      </p:sp>
+    </p:spTree>
+  </p:cSld>
+  <p:clrMapOvr>
+    <a:masterClrMapping/>
+  </p:clrMapOvr>
+</p:sld>
+</file>
+
+<file path=ppt/slides/slide13.xml><?xml version="1.0" encoding="utf-8"?>
+<p:sld xmlns:a="http://schemas.openxmlformats.org/drawingml/2006/main" xmlns:r="http://schemas.openxmlformats.org/officeDocument/2006/relationships" xmlns:p="http://schemas.openxmlformats.org/presentationml/2006/main">
+  <p:cSld>
+    <p:spTree>
+      <p:nvGrpSpPr>
+        <p:cNvPr id="1" name=""/>
+        <p:cNvGrpSpPr/>
+        <p:nvPr/>
+      </p:nvGrpSpPr>
+      <p:grpSpPr>
+        <a:xfrm>
+          <a:off x="0" y="0"/>
+          <a:ext cx="0" cy="0"/>
+          <a:chOff x="0" y="0"/>
+          <a:chExt cx="0" cy="0"/>
+        </a:xfrm>
+      </p:grpSpPr>
+      <p:sp>
+        <p:nvSpPr>
+          <p:cNvPr id="2" name="Title 1"/>
+          <p:cNvSpPr>
+            <a:spLocks noGrp="1"/>
+          </p:cNvSpPr>
+          <p:nvPr>
+            <p:ph type="title"/>
+          </p:nvPr>
+        </p:nvSpPr>
+        <p:spPr/>
+        <p:txBody>
+          <a:bodyPr/>
+          <a:lstStyle/>
+          <a:p>
+            <a:r>
+              <a:rPr lang="en-US" dirty="0" smtClean="0"/>
+              <a:t>References</a:t>
+            </a:r>
+            <a:endParaRPr lang="en-US" dirty="0"/>
+          </a:p>
+        </p:txBody>
+      </p:sp>
+      <p:sp>
+        <p:nvSpPr>
+          <p:cNvPr id="3" name="Content Placeholder 2"/>
+          <p:cNvSpPr>
+            <a:spLocks noGrp="1"/>
+          </p:cNvSpPr>
+          <p:nvPr>
+            <p:ph idx="1"/>
+          </p:nvPr>
+        </p:nvSpPr>
+        <p:spPr/>
+        <p:txBody>
+          <a:bodyPr/>
+          <a:lstStyle/>
+          <a:p>
+            <a:r>
+              <a:rPr lang="en-US" sz="2000" dirty="0" smtClean="0"/>
+              <a:t>"Protocol Buffers." </a:t>
+            </a:r>
+            <a:r>
+              <a:rPr lang="en-US" sz="2000" i="1" dirty="0" smtClean="0"/>
+              <a:t>Google Developers</a:t>
+            </a:r>
+            <a:r>
+              <a:rPr lang="en-US" sz="2000" dirty="0" smtClean="0"/>
+              <a:t>. Google, </a:t>
+            </a:r>
+            <a:r>
+              <a:rPr lang="en-US" sz="2000" dirty="0" err="1" smtClean="0"/>
+              <a:t>n.d</a:t>
+            </a:r>
+            <a:r>
+              <a:rPr lang="en-US" sz="2000" dirty="0" smtClean="0"/>
+              <a:t>. Web. 23 Oct. 2012. &lt;https://developers.google.com/protocol-buffers/&gt;.</a:t>
+            </a:r>
+          </a:p>
+          <a:p>
+            <a:r>
+              <a:rPr lang="en-US" sz="2000" dirty="0" err="1" smtClean="0"/>
+              <a:t>Burnette</a:t>
+            </a:r>
+            <a:r>
+              <a:rPr lang="en-US" sz="2000" dirty="0" smtClean="0"/>
+              <a:t>, Ed. "Rich Client Platform." </a:t>
+            </a:r>
+            <a:r>
+              <a:rPr lang="en-US" sz="2000" i="1" dirty="0" smtClean="0"/>
+              <a:t>Rich Client Platform</a:t>
+            </a:r>
+            <a:r>
+              <a:rPr lang="en-US" sz="2000" dirty="0" smtClean="0"/>
+              <a:t>. Eclipse, 28 June 2005. Web. 14 Nov. 2012. &lt;http://www.eclipse.org/articles/Article-RCP-1/tutorial1.html&gt;</a:t>
+            </a:r>
+          </a:p>
+          <a:p>
+            <a:endParaRPr lang="en-US" sz="2000" dirty="0" smtClean="0"/>
+          </a:p>
+          <a:p>
+            <a:endParaRPr lang="en-US" dirty="0"/>
+          </a:p>
+        </p:txBody>
+      </p:sp>
+      <p:sp>
+        <p:nvSpPr>
+          <p:cNvPr id="4" name="Footer Placeholder 3"/>
+          <p:cNvSpPr>
+            <a:spLocks noGrp="1"/>
+          </p:cNvSpPr>
+          <p:nvPr>
+            <p:ph type="ftr" sz="quarter" idx="11"/>
+          </p:nvPr>
+        </p:nvSpPr>
+        <p:spPr/>
+        <p:txBody>
+          <a:bodyPr/>
+          <a:lstStyle/>
+          <a:p>
+            <a:endParaRPr lang="en-US"/>
+          </a:p>
+        </p:txBody>
+      </p:sp>
+    </p:spTree>
+  </p:cSld>
+  <p:clrMapOvr>
+    <a:masterClrMapping/>
+  </p:clrMapOvr>
+</p:sld>
+</file>
+
+<file path=ppt/slides/slide14.xml><?xml version="1.0" encoding="utf-8"?>
+<p:sld xmlns:a="http://schemas.openxmlformats.org/drawingml/2006/main" xmlns:r="http://schemas.openxmlformats.org/officeDocument/2006/relationships" xmlns:p="http://schemas.openxmlformats.org/presentationml/2006/main">
+  <p:cSld>
+    <p:spTree>
+      <p:nvGrpSpPr>
+        <p:cNvPr id="1" name=""/>
+        <p:cNvGrpSpPr/>
+        <p:nvPr/>
+      </p:nvGrpSpPr>
+      <p:grpSpPr>
+        <a:xfrm>
+          <a:off x="0" y="0"/>
+          <a:ext cx="0" cy="0"/>
+          <a:chOff x="0" y="0"/>
+          <a:chExt cx="0" cy="0"/>
+        </a:xfrm>
+      </p:grpSpPr>
+      <p:sp>
+        <p:nvSpPr>
+          <p:cNvPr id="2" name="Title 1"/>
+          <p:cNvSpPr>
+            <a:spLocks noGrp="1"/>
+          </p:cNvSpPr>
+          <p:nvPr>
+            <p:ph type="title"/>
+          </p:nvPr>
+        </p:nvSpPr>
+        <p:spPr/>
+        <p:txBody>
+          <a:bodyPr/>
+          <a:lstStyle/>
+          <a:p>
+            <a:r>
+              <a:rPr lang="en-US" dirty="0" smtClean="0"/>
               <a:t>Questions</a:t>
             </a:r>
             <a:endParaRPr lang="en-US" dirty="0"/>
@@ -4207,6 +5026,25 @@
           </a:prstGeom>
         </p:spPr>
       </p:pic>
+      <p:sp>
+        <p:nvSpPr>
+          <p:cNvPr id="5" name="Footer Placeholder 4"/>
+          <p:cNvSpPr>
+            <a:spLocks noGrp="1"/>
+          </p:cNvSpPr>
+          <p:nvPr>
+            <p:ph type="ftr" sz="quarter" idx="11"/>
+          </p:nvPr>
+        </p:nvSpPr>
+        <p:spPr/>
+        <p:txBody>
+          <a:bodyPr/>
+          <a:lstStyle/>
+          <a:p>
+            <a:endParaRPr lang="en-US"/>
+          </a:p>
+        </p:txBody>
+      </p:sp>
     </p:spTree>
   </p:cSld>
   <p:clrMapOvr>
@@ -4363,7 +5201,6 @@
               <a:rPr lang="en-US" sz="2200" dirty="0" smtClean="0"/>
               <a:t>Demo</a:t>
             </a:r>
-            <a:endParaRPr lang="en-US" sz="2200" dirty="0" smtClean="0"/>
           </a:p>
           <a:p>
             <a:pPr lvl="1">
@@ -4376,7 +5213,6 @@
               <a:rPr lang="en-US" sz="3400" dirty="0" smtClean="0"/>
               <a:t>Lessons Learned and Future Enhancements</a:t>
             </a:r>
-            <a:endParaRPr lang="en-US" sz="3400" dirty="0" smtClean="0"/>
           </a:p>
           <a:p>
             <a:pPr>
@@ -4405,6 +5241,25 @@
           <a:p>
             <a:pPr lvl="1"/>
             <a:endParaRPr lang="en-US" dirty="0"/>
+          </a:p>
+        </p:txBody>
+      </p:sp>
+      <p:sp>
+        <p:nvSpPr>
+          <p:cNvPr id="4" name="Footer Placeholder 3"/>
+          <p:cNvSpPr>
+            <a:spLocks noGrp="1"/>
+          </p:cNvSpPr>
+          <p:nvPr>
+            <p:ph type="ftr" sz="quarter" idx="11"/>
+          </p:nvPr>
+        </p:nvSpPr>
+        <p:spPr/>
+        <p:txBody>
+          <a:bodyPr/>
+          <a:lstStyle/>
+          <a:p>
+            <a:endParaRPr lang="en-US"/>
           </a:p>
         </p:txBody>
       </p:sp>
@@ -4565,6 +5420,25 @@
           </a:p>
         </p:txBody>
       </p:sp>
+      <p:sp>
+        <p:nvSpPr>
+          <p:cNvPr id="4" name="Footer Placeholder 3"/>
+          <p:cNvSpPr>
+            <a:spLocks noGrp="1"/>
+          </p:cNvSpPr>
+          <p:nvPr>
+            <p:ph type="ftr" sz="quarter" idx="11"/>
+          </p:nvPr>
+        </p:nvSpPr>
+        <p:spPr/>
+        <p:txBody>
+          <a:bodyPr/>
+          <a:lstStyle/>
+          <a:p>
+            <a:endParaRPr lang="en-US"/>
+          </a:p>
+        </p:txBody>
+      </p:sp>
     </p:spTree>
   </p:cSld>
   <p:clrMapOvr>
@@ -4951,6 +5825,25 @@
           </a:p>
         </p:txBody>
       </p:sp>
+      <p:sp>
+        <p:nvSpPr>
+          <p:cNvPr id="4" name="Footer Placeholder 3"/>
+          <p:cNvSpPr>
+            <a:spLocks noGrp="1"/>
+          </p:cNvSpPr>
+          <p:nvPr>
+            <p:ph type="ftr" sz="quarter" idx="11"/>
+          </p:nvPr>
+        </p:nvSpPr>
+        <p:spPr/>
+        <p:txBody>
+          <a:bodyPr/>
+          <a:lstStyle/>
+          <a:p>
+            <a:endParaRPr lang="en-US"/>
+          </a:p>
+        </p:txBody>
+      </p:sp>
     </p:spTree>
   </p:cSld>
   <p:clrMapOvr>
@@ -5089,6 +5982,25 @@
           </a:p>
         </p:txBody>
       </p:sp>
+      <p:sp>
+        <p:nvSpPr>
+          <p:cNvPr id="4" name="Footer Placeholder 3"/>
+          <p:cNvSpPr>
+            <a:spLocks noGrp="1"/>
+          </p:cNvSpPr>
+          <p:nvPr>
+            <p:ph type="ftr" sz="quarter" idx="11"/>
+          </p:nvPr>
+        </p:nvSpPr>
+        <p:spPr/>
+        <p:txBody>
+          <a:bodyPr/>
+          <a:lstStyle/>
+          <a:p>
+            <a:endParaRPr lang="en-US"/>
+          </a:p>
+        </p:txBody>
+      </p:sp>
     </p:spTree>
   </p:cSld>
   <p:clrMapOvr>
@@ -5214,6 +6126,25 @@
           </a:p>
         </p:txBody>
       </p:sp>
+      <p:sp>
+        <p:nvSpPr>
+          <p:cNvPr id="4" name="Footer Placeholder 3"/>
+          <p:cNvSpPr>
+            <a:spLocks noGrp="1"/>
+          </p:cNvSpPr>
+          <p:nvPr>
+            <p:ph type="ftr" sz="quarter" idx="11"/>
+          </p:nvPr>
+        </p:nvSpPr>
+        <p:spPr/>
+        <p:txBody>
+          <a:bodyPr/>
+          <a:lstStyle/>
+          <a:p>
+            <a:endParaRPr lang="en-US"/>
+          </a:p>
+        </p:txBody>
+      </p:sp>
     </p:spTree>
   </p:cSld>
   <p:clrMapOvr>
@@ -5266,9 +6197,28 @@
           </a:p>
         </p:txBody>
       </p:sp>
+      <p:sp>
+        <p:nvSpPr>
+          <p:cNvPr id="4" name="Footer Placeholder 3"/>
+          <p:cNvSpPr>
+            <a:spLocks noGrp="1"/>
+          </p:cNvSpPr>
+          <p:nvPr>
+            <p:ph type="ftr" sz="quarter" idx="11"/>
+          </p:nvPr>
+        </p:nvSpPr>
+        <p:spPr/>
+        <p:txBody>
+          <a:bodyPr/>
+          <a:lstStyle/>
+          <a:p>
+            <a:endParaRPr lang="en-US" dirty="0"/>
+          </a:p>
+        </p:txBody>
+      </p:sp>
       <p:pic>
         <p:nvPicPr>
-          <p:cNvPr id="1026" name="Picture 2"/>
+          <p:cNvPr id="3" name="Picture 2"/>
           <p:cNvPicPr>
             <a:picLocks noChangeAspect="1" noChangeArrowheads="1"/>
           </p:cNvPicPr>
@@ -5283,8 +6233,8 @@
         </p:blipFill>
         <p:spPr bwMode="auto">
           <a:xfrm>
-            <a:off x="1981200" y="1981200"/>
-            <a:ext cx="5257800" cy="4405842"/>
+            <a:off x="1524000" y="2133600"/>
+            <a:ext cx="5873915" cy="3657600"/>
           </a:xfrm>
           <a:prstGeom prst="rect">
             <a:avLst/>
@@ -5336,6 +6286,103 @@
         </p:nvSpPr>
         <p:spPr/>
         <p:txBody>
+          <a:bodyPr/>
+          <a:lstStyle/>
+          <a:p>
+            <a:r>
+              <a:rPr lang="en-US" dirty="0" err="1" smtClean="0"/>
+              <a:t>ProtoDebugger</a:t>
+            </a:r>
+            <a:r>
+              <a:rPr lang="en-US" dirty="0" smtClean="0"/>
+              <a:t> </a:t>
+            </a:r>
+            <a:r>
+              <a:rPr lang="en-US" dirty="0" smtClean="0"/>
+              <a:t>Design Cont.</a:t>
+            </a:r>
+            <a:endParaRPr lang="en-US" dirty="0"/>
+          </a:p>
+        </p:txBody>
+      </p:sp>
+      <p:sp>
+        <p:nvSpPr>
+          <p:cNvPr id="3" name="Content Placeholder 2"/>
+          <p:cNvSpPr>
+            <a:spLocks noGrp="1"/>
+          </p:cNvSpPr>
+          <p:nvPr>
+            <p:ph idx="1"/>
+          </p:nvPr>
+        </p:nvSpPr>
+        <p:spPr/>
+        <p:txBody>
+          <a:bodyPr/>
+          <a:lstStyle/>
+          <a:p>
+            <a:r>
+              <a:rPr lang="en-US" dirty="0" err="1" smtClean="0"/>
+              <a:t>ProtoDebugger</a:t>
+            </a:r>
+            <a:r>
+              <a:rPr lang="en-US" dirty="0" smtClean="0"/>
+              <a:t> GUI was designed using the Model-View-Controller design pattern </a:t>
+            </a:r>
+          </a:p>
+          <a:p>
+            <a:pPr lvl="1"/>
+            <a:r>
+              <a:rPr lang="en-US" dirty="0" smtClean="0"/>
+              <a:t>Event Driven: The Controller would dispatch an event to the View on property change.</a:t>
+            </a:r>
+          </a:p>
+          <a:p>
+            <a:pPr lvl="1"/>
+            <a:r>
+              <a:rPr lang="en-US" dirty="0" smtClean="0"/>
+              <a:t>(Add more here)</a:t>
+            </a:r>
+            <a:endParaRPr lang="en-US" dirty="0"/>
+          </a:p>
+        </p:txBody>
+      </p:sp>
+    </p:spTree>
+  </p:cSld>
+  <p:clrMapOvr>
+    <a:masterClrMapping/>
+  </p:clrMapOvr>
+</p:sld>
+</file>
+
+<file path=ppt/slides/slide9.xml><?xml version="1.0" encoding="utf-8"?>
+<p:sld xmlns:a="http://schemas.openxmlformats.org/drawingml/2006/main" xmlns:r="http://schemas.openxmlformats.org/officeDocument/2006/relationships" xmlns:p="http://schemas.openxmlformats.org/presentationml/2006/main">
+  <p:cSld>
+    <p:spTree>
+      <p:nvGrpSpPr>
+        <p:cNvPr id="1" name=""/>
+        <p:cNvGrpSpPr/>
+        <p:nvPr/>
+      </p:nvGrpSpPr>
+      <p:grpSpPr>
+        <a:xfrm>
+          <a:off x="0" y="0"/>
+          <a:ext cx="0" cy="0"/>
+          <a:chOff x="0" y="0"/>
+          <a:chExt cx="0" cy="0"/>
+        </a:xfrm>
+      </p:grpSpPr>
+      <p:sp>
+        <p:nvSpPr>
+          <p:cNvPr id="2" name="Title 1"/>
+          <p:cNvSpPr>
+            <a:spLocks noGrp="1"/>
+          </p:cNvSpPr>
+          <p:nvPr>
+            <p:ph type="title"/>
+          </p:nvPr>
+        </p:nvSpPr>
+        <p:spPr/>
+        <p:txBody>
           <a:bodyPr>
             <a:normAutofit fontScale="90000"/>
           </a:bodyPr>
@@ -5389,96 +6436,25 @@
           </a:ln>
         </p:spPr>
       </p:pic>
-    </p:spTree>
-  </p:cSld>
-  <p:clrMapOvr>
-    <a:masterClrMapping/>
-  </p:clrMapOvr>
-</p:sld>
-</file>
-
-<file path=ppt/slides/slide9.xml><?xml version="1.0" encoding="utf-8"?>
-<p:sld xmlns:a="http://schemas.openxmlformats.org/drawingml/2006/main" xmlns:r="http://schemas.openxmlformats.org/officeDocument/2006/relationships" xmlns:p="http://schemas.openxmlformats.org/presentationml/2006/main">
-  <p:cSld>
-    <p:spTree>
-      <p:nvGrpSpPr>
-        <p:cNvPr id="1" name=""/>
-        <p:cNvGrpSpPr/>
-        <p:nvPr/>
-      </p:nvGrpSpPr>
-      <p:grpSpPr>
-        <a:xfrm>
-          <a:off x="0" y="0"/>
-          <a:ext cx="0" cy="0"/>
-          <a:chOff x="0" y="0"/>
-          <a:chExt cx="0" cy="0"/>
-        </a:xfrm>
-      </p:grpSpPr>
-      <p:sp>
-        <p:nvSpPr>
-          <p:cNvPr id="2" name="Title 1"/>
-          <p:cNvSpPr>
-            <a:spLocks noGrp="1"/>
-          </p:cNvSpPr>
-          <p:nvPr>
-            <p:ph type="title"/>
+      <p:sp>
+        <p:nvSpPr>
+          <p:cNvPr id="4" name="Footer Placeholder 3"/>
+          <p:cNvSpPr>
+            <a:spLocks noGrp="1"/>
+          </p:cNvSpPr>
+          <p:nvPr>
+            <p:ph type="ftr" sz="quarter" idx="11"/>
           </p:nvPr>
         </p:nvSpPr>
         <p:spPr/>
         <p:txBody>
-          <a:bodyPr>
-            <a:normAutofit fontScale="90000"/>
-          </a:bodyPr>
+          <a:bodyPr/>
           <a:lstStyle/>
           <a:p>
-            <a:r>
-              <a:rPr lang="en-US" dirty="0" err="1" smtClean="0"/>
-              <a:t>ProtoDebugger</a:t>
-            </a:r>
-            <a:r>
-              <a:rPr lang="en-US" dirty="0" smtClean="0"/>
-              <a:t> GUI: </a:t>
-            </a:r>
-            <a:r>
-              <a:rPr lang="en-US" dirty="0" err="1" smtClean="0"/>
-              <a:t>ScreenShots</a:t>
-            </a:r>
-            <a:endParaRPr lang="en-US" dirty="0"/>
-          </a:p>
-        </p:txBody>
-      </p:sp>
-      <p:pic>
-        <p:nvPicPr>
-          <p:cNvPr id="2050" name="Picture 2"/>
-          <p:cNvPicPr>
-            <a:picLocks noChangeAspect="1" noChangeArrowheads="1"/>
-          </p:cNvPicPr>
-          <p:nvPr/>
-        </p:nvPicPr>
-        <p:blipFill>
-          <a:blip r:embed="rId2" cstate="print"/>
-          <a:srcRect/>
-          <a:stretch>
-            <a:fillRect/>
-          </a:stretch>
-        </p:blipFill>
-        <p:spPr bwMode="auto">
-          <a:xfrm>
-            <a:off x="76200" y="1752600"/>
-            <a:ext cx="8915400" cy="4434483"/>
-          </a:xfrm>
-          <a:prstGeom prst="rect">
-            <a:avLst/>
-          </a:prstGeom>
-          <a:noFill/>
-          <a:ln w="9525">
-            <a:noFill/>
-            <a:miter lim="800000"/>
-            <a:headEnd/>
-            <a:tailEnd/>
-          </a:ln>
-        </p:spPr>
-      </p:pic>
+            <a:endParaRPr lang="en-US"/>
+          </a:p>
+        </p:txBody>
+      </p:sp>
     </p:spTree>
   </p:cSld>
   <p:clrMapOvr>
@@ -5768,4 +6744,570 @@
   <a:objectDefaults/>
   <a:extraClrSchemeLst/>
 </a:theme>
+</file>
+
+<file path=ppt/theme/theme2.xml><?xml version="1.0" encoding="utf-8"?>
+<a:theme xmlns:a="http://schemas.openxmlformats.org/drawingml/2006/main" name="Office Theme">
+  <a:themeElements>
+    <a:clrScheme name="Office">
+      <a:dk1>
+        <a:sysClr val="windowText" lastClr="000000"/>
+      </a:dk1>
+      <a:lt1>
+        <a:sysClr val="window" lastClr="FFFFFF"/>
+      </a:lt1>
+      <a:dk2>
+        <a:srgbClr val="1F497D"/>
+      </a:dk2>
+      <a:lt2>
+        <a:srgbClr val="EEECE1"/>
+      </a:lt2>
+      <a:accent1>
+        <a:srgbClr val="4F81BD"/>
+      </a:accent1>
+      <a:accent2>
+        <a:srgbClr val="C0504D"/>
+      </a:accent2>
+      <a:accent3>
+        <a:srgbClr val="9BBB59"/>
+      </a:accent3>
+      <a:accent4>
+        <a:srgbClr val="8064A2"/>
+      </a:accent4>
+      <a:accent5>
+        <a:srgbClr val="4BACC6"/>
+      </a:accent5>
+      <a:accent6>
+        <a:srgbClr val="F79646"/>
+      </a:accent6>
+      <a:hlink>
+        <a:srgbClr val="0000FF"/>
+      </a:hlink>
+      <a:folHlink>
+        <a:srgbClr val="800080"/>
+      </a:folHlink>
+    </a:clrScheme>
+    <a:fontScheme name="Office">
+      <a:majorFont>
+        <a:latin typeface="Calibri"/>
+        <a:ea typeface=""/>
+        <a:cs typeface=""/>
+        <a:font script="Jpan" typeface="ＭＳ Ｐゴシック"/>
+        <a:font script="Hang" typeface="맑은 고딕"/>
+        <a:font script="Hans" typeface="宋体"/>
+        <a:font script="Hant" typeface="新細明體"/>
+        <a:font script="Arab" typeface="Times New Roman"/>
+        <a:font script="Hebr" typeface="Times New Roman"/>
+        <a:font script="Thai" typeface="Angsana New"/>
+        <a:font script="Ethi" typeface="Nyala"/>
+        <a:font script="Beng" typeface="Vrinda"/>
+        <a:font script="Gujr" typeface="Shruti"/>
+        <a:font script="Khmr" typeface="MoolBoran"/>
+        <a:font script="Knda" typeface="Tunga"/>
+        <a:font script="Guru" typeface="Raavi"/>
+        <a:font script="Cans" typeface="Euphemia"/>
+        <a:font script="Cher" typeface="Plantagenet Cherokee"/>
+        <a:font script="Yiii" typeface="Microsoft Yi Baiti"/>
+        <a:font script="Tibt" typeface="Microsoft Himalaya"/>
+        <a:font script="Thaa" typeface="MV Boli"/>
+        <a:font script="Deva" typeface="Mangal"/>
+        <a:font script="Telu" typeface="Gautami"/>
+        <a:font script="Taml" typeface="Latha"/>
+        <a:font script="Syrc" typeface="Estrangelo Edessa"/>
+        <a:font script="Orya" typeface="Kalinga"/>
+        <a:font script="Mlym" typeface="Kartika"/>
+        <a:font script="Laoo" typeface="DokChampa"/>
+        <a:font script="Sinh" typeface="Iskoola Pota"/>
+        <a:font script="Mong" typeface="Mongolian Baiti"/>
+        <a:font script="Viet" typeface="Times New Roman"/>
+        <a:font script="Uigh" typeface="Microsoft Uighur"/>
+      </a:majorFont>
+      <a:minorFont>
+        <a:latin typeface="Calibri"/>
+        <a:ea typeface=""/>
+        <a:cs typeface=""/>
+        <a:font script="Jpan" typeface="ＭＳ Ｐゴシック"/>
+        <a:font script="Hang" typeface="맑은 고딕"/>
+        <a:font script="Hans" typeface="宋体"/>
+        <a:font script="Hant" typeface="新細明體"/>
+        <a:font script="Arab" typeface="Arial"/>
+        <a:font script="Hebr" typeface="Arial"/>
+        <a:font script="Thai" typeface="Cordia New"/>
+        <a:font script="Ethi" typeface="Nyala"/>
+        <a:font script="Beng" typeface="Vrinda"/>
+        <a:font script="Gujr" typeface="Shruti"/>
+        <a:font script="Khmr" typeface="DaunPenh"/>
+        <a:font script="Knda" typeface="Tunga"/>
+        <a:font script="Guru" typeface="Raavi"/>
+        <a:font script="Cans" typeface="Euphemia"/>
+        <a:font script="Cher" typeface="Plantagenet Cherokee"/>
+        <a:font script="Yiii" typeface="Microsoft Yi Baiti"/>
+        <a:font script="Tibt" typeface="Microsoft Himalaya"/>
+        <a:font script="Thaa" typeface="MV Boli"/>
+        <a:font script="Deva" typeface="Mangal"/>
+        <a:font script="Telu" typeface="Gautami"/>
+        <a:font script="Taml" typeface="Latha"/>
+        <a:font script="Syrc" typeface="Estrangelo Edessa"/>
+        <a:font script="Orya" typeface="Kalinga"/>
+        <a:font script="Mlym" typeface="Kartika"/>
+        <a:font script="Laoo" typeface="DokChampa"/>
+        <a:font script="Sinh" typeface="Iskoola Pota"/>
+        <a:font script="Mong" typeface="Mongolian Baiti"/>
+        <a:font script="Viet" typeface="Arial"/>
+        <a:font script="Uigh" typeface="Microsoft Uighur"/>
+      </a:minorFont>
+    </a:fontScheme>
+    <a:fmtScheme name="Office">
+      <a:fillStyleLst>
+        <a:solidFill>
+          <a:schemeClr val="phClr"/>
+        </a:solidFill>
+        <a:gradFill rotWithShape="1">
+          <a:gsLst>
+            <a:gs pos="0">
+              <a:schemeClr val="phClr">
+                <a:tint val="50000"/>
+                <a:satMod val="300000"/>
+              </a:schemeClr>
+            </a:gs>
+            <a:gs pos="35000">
+              <a:schemeClr val="phClr">
+                <a:tint val="37000"/>
+                <a:satMod val="300000"/>
+              </a:schemeClr>
+            </a:gs>
+            <a:gs pos="100000">
+              <a:schemeClr val="phClr">
+                <a:tint val="15000"/>
+                <a:satMod val="350000"/>
+              </a:schemeClr>
+            </a:gs>
+          </a:gsLst>
+          <a:lin ang="16200000" scaled="1"/>
+        </a:gradFill>
+        <a:gradFill rotWithShape="1">
+          <a:gsLst>
+            <a:gs pos="0">
+              <a:schemeClr val="phClr">
+                <a:shade val="51000"/>
+                <a:satMod val="130000"/>
+              </a:schemeClr>
+            </a:gs>
+            <a:gs pos="80000">
+              <a:schemeClr val="phClr">
+                <a:shade val="93000"/>
+                <a:satMod val="130000"/>
+              </a:schemeClr>
+            </a:gs>
+            <a:gs pos="100000">
+              <a:schemeClr val="phClr">
+                <a:shade val="94000"/>
+                <a:satMod val="135000"/>
+              </a:schemeClr>
+            </a:gs>
+          </a:gsLst>
+          <a:lin ang="16200000" scaled="0"/>
+        </a:gradFill>
+      </a:fillStyleLst>
+      <a:lnStyleLst>
+        <a:ln w="9525" cap="flat" cmpd="sng" algn="ctr">
+          <a:solidFill>
+            <a:schemeClr val="phClr">
+              <a:shade val="95000"/>
+              <a:satMod val="105000"/>
+            </a:schemeClr>
+          </a:solidFill>
+          <a:prstDash val="solid"/>
+        </a:ln>
+        <a:ln w="25400" cap="flat" cmpd="sng" algn="ctr">
+          <a:solidFill>
+            <a:schemeClr val="phClr"/>
+          </a:solidFill>
+          <a:prstDash val="solid"/>
+        </a:ln>
+        <a:ln w="38100" cap="flat" cmpd="sng" algn="ctr">
+          <a:solidFill>
+            <a:schemeClr val="phClr"/>
+          </a:solidFill>
+          <a:prstDash val="solid"/>
+        </a:ln>
+      </a:lnStyleLst>
+      <a:effectStyleLst>
+        <a:effectStyle>
+          <a:effectLst>
+            <a:outerShdw blurRad="40000" dist="20000" dir="5400000" rotWithShape="0">
+              <a:srgbClr val="000000">
+                <a:alpha val="38000"/>
+              </a:srgbClr>
+            </a:outerShdw>
+          </a:effectLst>
+        </a:effectStyle>
+        <a:effectStyle>
+          <a:effectLst>
+            <a:outerShdw blurRad="40000" dist="23000" dir="5400000" rotWithShape="0">
+              <a:srgbClr val="000000">
+                <a:alpha val="35000"/>
+              </a:srgbClr>
+            </a:outerShdw>
+          </a:effectLst>
+        </a:effectStyle>
+        <a:effectStyle>
+          <a:effectLst>
+            <a:outerShdw blurRad="40000" dist="23000" dir="5400000" rotWithShape="0">
+              <a:srgbClr val="000000">
+                <a:alpha val="35000"/>
+              </a:srgbClr>
+            </a:outerShdw>
+          </a:effectLst>
+          <a:scene3d>
+            <a:camera prst="orthographicFront">
+              <a:rot lat="0" lon="0" rev="0"/>
+            </a:camera>
+            <a:lightRig rig="threePt" dir="t">
+              <a:rot lat="0" lon="0" rev="1200000"/>
+            </a:lightRig>
+          </a:scene3d>
+          <a:sp3d>
+            <a:bevelT w="63500" h="25400"/>
+          </a:sp3d>
+        </a:effectStyle>
+      </a:effectStyleLst>
+      <a:bgFillStyleLst>
+        <a:solidFill>
+          <a:schemeClr val="phClr"/>
+        </a:solidFill>
+        <a:gradFill rotWithShape="1">
+          <a:gsLst>
+            <a:gs pos="0">
+              <a:schemeClr val="phClr">
+                <a:tint val="40000"/>
+                <a:satMod val="350000"/>
+              </a:schemeClr>
+            </a:gs>
+            <a:gs pos="40000">
+              <a:schemeClr val="phClr">
+                <a:tint val="45000"/>
+                <a:shade val="99000"/>
+                <a:satMod val="350000"/>
+              </a:schemeClr>
+            </a:gs>
+            <a:gs pos="100000">
+              <a:schemeClr val="phClr">
+                <a:shade val="20000"/>
+                <a:satMod val="255000"/>
+              </a:schemeClr>
+            </a:gs>
+          </a:gsLst>
+          <a:path path="circle">
+            <a:fillToRect l="50000" t="-80000" r="50000" b="180000"/>
+          </a:path>
+        </a:gradFill>
+        <a:gradFill rotWithShape="1">
+          <a:gsLst>
+            <a:gs pos="0">
+              <a:schemeClr val="phClr">
+                <a:tint val="80000"/>
+                <a:satMod val="300000"/>
+              </a:schemeClr>
+            </a:gs>
+            <a:gs pos="100000">
+              <a:schemeClr val="phClr">
+                <a:shade val="30000"/>
+                <a:satMod val="200000"/>
+              </a:schemeClr>
+            </a:gs>
+          </a:gsLst>
+          <a:path path="circle">
+            <a:fillToRect l="50000" t="50000" r="50000" b="50000"/>
+          </a:path>
+        </a:gradFill>
+      </a:bgFillStyleLst>
+    </a:fmtScheme>
+  </a:themeElements>
+  <a:objectDefaults/>
+  <a:extraClrSchemeLst/>
+</a:theme>
+</file>
+
+<file path=ppt/theme/theme3.xml><?xml version="1.0" encoding="utf-8"?>
+<a:theme xmlns:a="http://schemas.openxmlformats.org/drawingml/2006/main" name="Office Theme">
+  <a:themeElements>
+    <a:clrScheme name="Office">
+      <a:dk1>
+        <a:sysClr val="windowText" lastClr="000000"/>
+      </a:dk1>
+      <a:lt1>
+        <a:sysClr val="window" lastClr="FFFFFF"/>
+      </a:lt1>
+      <a:dk2>
+        <a:srgbClr val="1F497D"/>
+      </a:dk2>
+      <a:lt2>
+        <a:srgbClr val="EEECE1"/>
+      </a:lt2>
+      <a:accent1>
+        <a:srgbClr val="4F81BD"/>
+      </a:accent1>
+      <a:accent2>
+        <a:srgbClr val="C0504D"/>
+      </a:accent2>
+      <a:accent3>
+        <a:srgbClr val="9BBB59"/>
+      </a:accent3>
+      <a:accent4>
+        <a:srgbClr val="8064A2"/>
+      </a:accent4>
+      <a:accent5>
+        <a:srgbClr val="4BACC6"/>
+      </a:accent5>
+      <a:accent6>
+        <a:srgbClr val="F79646"/>
+      </a:accent6>
+      <a:hlink>
+        <a:srgbClr val="0000FF"/>
+      </a:hlink>
+      <a:folHlink>
+        <a:srgbClr val="800080"/>
+      </a:folHlink>
+    </a:clrScheme>
+    <a:fontScheme name="Office">
+      <a:majorFont>
+        <a:latin typeface="Calibri"/>
+        <a:ea typeface=""/>
+        <a:cs typeface=""/>
+        <a:font script="Jpan" typeface="ＭＳ Ｐゴシック"/>
+        <a:font script="Hang" typeface="맑은 고딕"/>
+        <a:font script="Hans" typeface="宋体"/>
+        <a:font script="Hant" typeface="新細明體"/>
+        <a:font script="Arab" typeface="Times New Roman"/>
+        <a:font script="Hebr" typeface="Times New Roman"/>
+        <a:font script="Thai" typeface="Angsana New"/>
+        <a:font script="Ethi" typeface="Nyala"/>
+        <a:font script="Beng" typeface="Vrinda"/>
+        <a:font script="Gujr" typeface="Shruti"/>
+        <a:font script="Khmr" typeface="MoolBoran"/>
+        <a:font script="Knda" typeface="Tunga"/>
+        <a:font script="Guru" typeface="Raavi"/>
+        <a:font script="Cans" typeface="Euphemia"/>
+        <a:font script="Cher" typeface="Plantagenet Cherokee"/>
+        <a:font script="Yiii" typeface="Microsoft Yi Baiti"/>
+        <a:font script="Tibt" typeface="Microsoft Himalaya"/>
+        <a:font script="Thaa" typeface="MV Boli"/>
+        <a:font script="Deva" typeface="Mangal"/>
+        <a:font script="Telu" typeface="Gautami"/>
+        <a:font script="Taml" typeface="Latha"/>
+        <a:font script="Syrc" typeface="Estrangelo Edessa"/>
+        <a:font script="Orya" typeface="Kalinga"/>
+        <a:font script="Mlym" typeface="Kartika"/>
+        <a:font script="Laoo" typeface="DokChampa"/>
+        <a:font script="Sinh" typeface="Iskoola Pota"/>
+        <a:font script="Mong" typeface="Mongolian Baiti"/>
+        <a:font script="Viet" typeface="Times New Roman"/>
+        <a:font script="Uigh" typeface="Microsoft Uighur"/>
+      </a:majorFont>
+      <a:minorFont>
+        <a:latin typeface="Calibri"/>
+        <a:ea typeface=""/>
+        <a:cs typeface=""/>
+        <a:font script="Jpan" typeface="ＭＳ Ｐゴシック"/>
+        <a:font script="Hang" typeface="맑은 고딕"/>
+        <a:font script="Hans" typeface="宋体"/>
+        <a:font script="Hant" typeface="新細明體"/>
+        <a:font script="Arab" typeface="Arial"/>
+        <a:font script="Hebr" typeface="Arial"/>
+        <a:font script="Thai" typeface="Cordia New"/>
+        <a:font script="Ethi" typeface="Nyala"/>
+        <a:font script="Beng" typeface="Vrinda"/>
+        <a:font script="Gujr" typeface="Shruti"/>
+        <a:font script="Khmr" typeface="DaunPenh"/>
+        <a:font script="Knda" typeface="Tunga"/>
+        <a:font script="Guru" typeface="Raavi"/>
+        <a:font script="Cans" typeface="Euphemia"/>
+        <a:font script="Cher" typeface="Plantagenet Cherokee"/>
+        <a:font script="Yiii" typeface="Microsoft Yi Baiti"/>
+        <a:font script="Tibt" typeface="Microsoft Himalaya"/>
+        <a:font script="Thaa" typeface="MV Boli"/>
+        <a:font script="Deva" typeface="Mangal"/>
+        <a:font script="Telu" typeface="Gautami"/>
+        <a:font script="Taml" typeface="Latha"/>
+        <a:font script="Syrc" typeface="Estrangelo Edessa"/>
+        <a:font script="Orya" typeface="Kalinga"/>
+        <a:font script="Mlym" typeface="Kartika"/>
+        <a:font script="Laoo" typeface="DokChampa"/>
+        <a:font script="Sinh" typeface="Iskoola Pota"/>
+        <a:font script="Mong" typeface="Mongolian Baiti"/>
+        <a:font script="Viet" typeface="Arial"/>
+        <a:font script="Uigh" typeface="Microsoft Uighur"/>
+      </a:minorFont>
+    </a:fontScheme>
+    <a:fmtScheme name="Office">
+      <a:fillStyleLst>
+        <a:solidFill>
+          <a:schemeClr val="phClr"/>
+        </a:solidFill>
+        <a:gradFill rotWithShape="1">
+          <a:gsLst>
+            <a:gs pos="0">
+              <a:schemeClr val="phClr">
+                <a:tint val="50000"/>
+                <a:satMod val="300000"/>
+              </a:schemeClr>
+            </a:gs>
+            <a:gs pos="35000">
+              <a:schemeClr val="phClr">
+                <a:tint val="37000"/>
+                <a:satMod val="300000"/>
+              </a:schemeClr>
+            </a:gs>
+            <a:gs pos="100000">
+              <a:schemeClr val="phClr">
+                <a:tint val="15000"/>
+                <a:satMod val="350000"/>
+              </a:schemeClr>
+            </a:gs>
+          </a:gsLst>
+          <a:lin ang="16200000" scaled="1"/>
+        </a:gradFill>
+        <a:gradFill rotWithShape="1">
+          <a:gsLst>
+            <a:gs pos="0">
+              <a:schemeClr val="phClr">
+                <a:shade val="51000"/>
+                <a:satMod val="130000"/>
+              </a:schemeClr>
+            </a:gs>
+            <a:gs pos="80000">
+              <a:schemeClr val="phClr">
+                <a:shade val="93000"/>
+                <a:satMod val="130000"/>
+              </a:schemeClr>
+            </a:gs>
+            <a:gs pos="100000">
+              <a:schemeClr val="phClr">
+                <a:shade val="94000"/>
+                <a:satMod val="135000"/>
+              </a:schemeClr>
+            </a:gs>
+          </a:gsLst>
+          <a:lin ang="16200000" scaled="0"/>
+        </a:gradFill>
+      </a:fillStyleLst>
+      <a:lnStyleLst>
+        <a:ln w="9525" cap="flat" cmpd="sng" algn="ctr">
+          <a:solidFill>
+            <a:schemeClr val="phClr">
+              <a:shade val="95000"/>
+              <a:satMod val="105000"/>
+            </a:schemeClr>
+          </a:solidFill>
+          <a:prstDash val="solid"/>
+        </a:ln>
+        <a:ln w="25400" cap="flat" cmpd="sng" algn="ctr">
+          <a:solidFill>
+            <a:schemeClr val="phClr"/>
+          </a:solidFill>
+          <a:prstDash val="solid"/>
+        </a:ln>
+        <a:ln w="38100" cap="flat" cmpd="sng" algn="ctr">
+          <a:solidFill>
+            <a:schemeClr val="phClr"/>
+          </a:solidFill>
+          <a:prstDash val="solid"/>
+        </a:ln>
+      </a:lnStyleLst>
+      <a:effectStyleLst>
+        <a:effectStyle>
+          <a:effectLst>
+            <a:outerShdw blurRad="40000" dist="20000" dir="5400000" rotWithShape="0">
+              <a:srgbClr val="000000">
+                <a:alpha val="38000"/>
+              </a:srgbClr>
+            </a:outerShdw>
+          </a:effectLst>
+        </a:effectStyle>
+        <a:effectStyle>
+          <a:effectLst>
+            <a:outerShdw blurRad="40000" dist="23000" dir="5400000" rotWithShape="0">
+              <a:srgbClr val="000000">
+                <a:alpha val="35000"/>
+              </a:srgbClr>
+            </a:outerShdw>
+          </a:effectLst>
+        </a:effectStyle>
+        <a:effectStyle>
+          <a:effectLst>
+            <a:outerShdw blurRad="40000" dist="23000" dir="5400000" rotWithShape="0">
+              <a:srgbClr val="000000">
+                <a:alpha val="35000"/>
+              </a:srgbClr>
+            </a:outerShdw>
+          </a:effectLst>
+          <a:scene3d>
+            <a:camera prst="orthographicFront">
+              <a:rot lat="0" lon="0" rev="0"/>
+            </a:camera>
+            <a:lightRig rig="threePt" dir="t">
+              <a:rot lat="0" lon="0" rev="1200000"/>
+            </a:lightRig>
+          </a:scene3d>
+          <a:sp3d>
+            <a:bevelT w="63500" h="25400"/>
+          </a:sp3d>
+        </a:effectStyle>
+      </a:effectStyleLst>
+      <a:bgFillStyleLst>
+        <a:solidFill>
+          <a:schemeClr val="phClr"/>
+        </a:solidFill>
+        <a:gradFill rotWithShape="1">
+          <a:gsLst>
+            <a:gs pos="0">
+              <a:schemeClr val="phClr">
+                <a:tint val="40000"/>
+                <a:satMod val="350000"/>
+              </a:schemeClr>
+            </a:gs>
+            <a:gs pos="40000">
+              <a:schemeClr val="phClr">
+                <a:tint val="45000"/>
+                <a:shade val="99000"/>
+                <a:satMod val="350000"/>
+              </a:schemeClr>
+            </a:gs>
+            <a:gs pos="100000">
+              <a:schemeClr val="phClr">
+                <a:shade val="20000"/>
+                <a:satMod val="255000"/>
+              </a:schemeClr>
+            </a:gs>
+          </a:gsLst>
+          <a:path path="circle">
+            <a:fillToRect l="50000" t="-80000" r="50000" b="180000"/>
+          </a:path>
+        </a:gradFill>
+        <a:gradFill rotWithShape="1">
+          <a:gsLst>
+            <a:gs pos="0">
+              <a:schemeClr val="phClr">
+                <a:tint val="80000"/>
+                <a:satMod val="300000"/>
+              </a:schemeClr>
+            </a:gs>
+            <a:gs pos="100000">
+              <a:schemeClr val="phClr">
+                <a:shade val="30000"/>
+                <a:satMod val="200000"/>
+              </a:schemeClr>
+            </a:gs>
+          </a:gsLst>
+          <a:path path="circle">
+            <a:fillToRect l="50000" t="50000" r="50000" b="50000"/>
+          </a:path>
+        </a:gradFill>
+      </a:bgFillStyleLst>
+    </a:fmtScheme>
+  </a:themeElements>
+  <a:objectDefaults/>
+  <a:extraClrSchemeLst/>
+</a:theme>
 </file>
--- a/Documents/ProtoDebuggerPresentation.pptx
+++ b/Documents/ProtoDebuggerPresentation.pptx
@@ -209,7 +209,7 @@
             <a:fld id="{767A09BB-24D7-4C65-803B-75F5185601A3}" type="datetimeFigureOut">
               <a:rPr lang="en-US" smtClean="0"/>
               <a:pPr/>
-              <a:t>11/14/2012</a:t>
+              <a:t>11/15/2012</a:t>
             </a:fld>
             <a:endParaRPr lang="en-US"/>
           </a:p>
@@ -372,7 +372,7 @@
             <a:fld id="{8363C6F4-2516-4709-AE6D-9EBACA5F280F}" type="datetimeFigureOut">
               <a:rPr lang="en-US" smtClean="0"/>
               <a:pPr/>
-              <a:t>11/14/2012</a:t>
+              <a:t>11/15/2012</a:t>
             </a:fld>
             <a:endParaRPr lang="en-US"/>
           </a:p>
@@ -888,7 +888,7 @@
             <a:fld id="{DADD7335-8523-47AF-84EC-C89F81FE965C}" type="datetimeFigureOut">
               <a:rPr lang="en-US" smtClean="0"/>
               <a:pPr/>
-              <a:t>11/14/2012</a:t>
+              <a:t>11/15/2012</a:t>
             </a:fld>
             <a:endParaRPr lang="en-US"/>
           </a:p>
@@ -1113,7 +1113,7 @@
             <a:fld id="{DADD7335-8523-47AF-84EC-C89F81FE965C}" type="datetimeFigureOut">
               <a:rPr lang="en-US" smtClean="0"/>
               <a:pPr/>
-              <a:t>11/14/2012</a:t>
+              <a:t>11/15/2012</a:t>
             </a:fld>
             <a:endParaRPr lang="en-US"/>
           </a:p>
@@ -1395,7 +1395,7 @@
             <a:fld id="{DADD7335-8523-47AF-84EC-C89F81FE965C}" type="datetimeFigureOut">
               <a:rPr lang="en-US" smtClean="0"/>
               <a:pPr/>
-              <a:t>11/14/2012</a:t>
+              <a:t>11/15/2012</a:t>
             </a:fld>
             <a:endParaRPr lang="en-US"/>
           </a:p>
@@ -1576,7 +1576,7 @@
             <a:fld id="{DADD7335-8523-47AF-84EC-C89F81FE965C}" type="datetimeFigureOut">
               <a:rPr lang="en-US" smtClean="0"/>
               <a:pPr/>
-              <a:t>11/14/2012</a:t>
+              <a:t>11/15/2012</a:t>
             </a:fld>
             <a:endParaRPr lang="en-US"/>
           </a:p>
@@ -1936,7 +1936,7 @@
             <a:fld id="{DADD7335-8523-47AF-84EC-C89F81FE965C}" type="datetimeFigureOut">
               <a:rPr lang="en-US" smtClean="0"/>
               <a:pPr/>
-              <a:t>11/14/2012</a:t>
+              <a:t>11/15/2012</a:t>
             </a:fld>
             <a:endParaRPr lang="en-US"/>
           </a:p>
@@ -2225,7 +2225,7 @@
             <a:fld id="{DADD7335-8523-47AF-84EC-C89F81FE965C}" type="datetimeFigureOut">
               <a:rPr lang="en-US" smtClean="0"/>
               <a:pPr/>
-              <a:t>11/14/2012</a:t>
+              <a:t>11/15/2012</a:t>
             </a:fld>
             <a:endParaRPr lang="en-US"/>
           </a:p>
@@ -2649,7 +2649,7 @@
             <a:fld id="{DADD7335-8523-47AF-84EC-C89F81FE965C}" type="datetimeFigureOut">
               <a:rPr lang="en-US" smtClean="0"/>
               <a:pPr/>
-              <a:t>11/14/2012</a:t>
+              <a:t>11/15/2012</a:t>
             </a:fld>
             <a:endParaRPr lang="en-US"/>
           </a:p>
@@ -2766,7 +2766,7 @@
             <a:fld id="{DADD7335-8523-47AF-84EC-C89F81FE965C}" type="datetimeFigureOut">
               <a:rPr lang="en-US" smtClean="0"/>
               <a:pPr/>
-              <a:t>11/14/2012</a:t>
+              <a:t>11/15/2012</a:t>
             </a:fld>
             <a:endParaRPr lang="en-US"/>
           </a:p>
@@ -2858,7 +2858,7 @@
             <a:fld id="{DADD7335-8523-47AF-84EC-C89F81FE965C}" type="datetimeFigureOut">
               <a:rPr lang="en-US" smtClean="0"/>
               <a:pPr/>
-              <a:t>11/14/2012</a:t>
+              <a:t>11/15/2012</a:t>
             </a:fld>
             <a:endParaRPr lang="en-US"/>
           </a:p>
@@ -3138,7 +3138,7 @@
             <a:fld id="{DADD7335-8523-47AF-84EC-C89F81FE965C}" type="datetimeFigureOut">
               <a:rPr lang="en-US" smtClean="0"/>
               <a:pPr/>
-              <a:t>11/14/2012</a:t>
+              <a:t>11/15/2012</a:t>
             </a:fld>
             <a:endParaRPr lang="en-US"/>
           </a:p>
@@ -3506,7 +3506,7 @@
             <a:fld id="{DADD7335-8523-47AF-84EC-C89F81FE965C}" type="datetimeFigureOut">
               <a:rPr lang="en-US" smtClean="0"/>
               <a:pPr/>
-              <a:t>11/14/2012</a:t>
+              <a:t>11/15/2012</a:t>
             </a:fld>
             <a:endParaRPr lang="en-US"/>
           </a:p>
@@ -3985,7 +3985,7 @@
             <a:fld id="{DADD7335-8523-47AF-84EC-C89F81FE965C}" type="datetimeFigureOut">
               <a:rPr lang="en-US" smtClean="0"/>
               <a:pPr/>
-              <a:t>11/14/2012</a:t>
+              <a:t>11/15/2012</a:t>
             </a:fld>
             <a:endParaRPr lang="en-US"/>
           </a:p>
@@ -4628,11 +4628,7 @@
           <a:p>
             <a:r>
               <a:rPr lang="en-US" dirty="0" smtClean="0"/>
-              <a:t>Lessons </a:t>
-            </a:r>
-            <a:r>
-              <a:rPr lang="en-US" dirty="0" smtClean="0"/>
-              <a:t>Learned</a:t>
+              <a:t>Lessons Learned</a:t>
             </a:r>
             <a:endParaRPr lang="en-US" dirty="0"/>
           </a:p>
@@ -4655,22 +4651,21 @@
           <a:p>
             <a:r>
               <a:rPr lang="en-US" dirty="0" smtClean="0"/>
-              <a:t>Google </a:t>
-            </a:r>
+              <a:t>Google developed Protocol Buffers differently in C++ than Java</a:t>
+            </a:r>
+          </a:p>
+          <a:p>
+            <a:pPr lvl="1"/>
             <a:r>
               <a:rPr lang="en-US" dirty="0" smtClean="0"/>
-              <a:t>developed Protocol Buffers differently in C++ than </a:t>
-            </a:r>
+              <a:t>Differences in the C++ and Java API</a:t>
+            </a:r>
+          </a:p>
+          <a:p>
+            <a:pPr lvl="1"/>
             <a:r>
               <a:rPr lang="en-US" dirty="0" smtClean="0"/>
-              <a:t>Java</a:t>
-            </a:r>
-          </a:p>
-          <a:p>
-            <a:pPr lvl="1"/>
-            <a:r>
-              <a:rPr lang="en-US" dirty="0" smtClean="0"/>
-              <a:t>No Builder class in C++ for constructing messages</a:t>
+              <a:t>Abstraction of messages is handle differently</a:t>
             </a:r>
             <a:endParaRPr lang="en-US" dirty="0" smtClean="0"/>
           </a:p>
@@ -4683,24 +4678,20 @@
               <a:rPr lang="en-US" dirty="0" smtClean="0"/>
               <a:t>RCP</a:t>
             </a:r>
-          </a:p>
-          <a:p>
-            <a:pPr lvl="1"/>
+            <a:r>
+              <a:rPr lang="en-US" dirty="0"/>
+              <a:t> </a:t>
+            </a:r>
             <a:r>
               <a:rPr lang="en-US" dirty="0" smtClean="0"/>
-              <a:t>The look and feel of QT Widgets different from RCP</a:t>
-            </a:r>
-          </a:p>
-          <a:p>
-            <a:pPr lvl="1"/>
-            <a:r>
-              <a:rPr lang="en-US" dirty="0" smtClean="0"/>
-              <a:t>Would need to create a different application than have a IDE plug-in environment</a:t>
-            </a:r>
-          </a:p>
-          <a:p>
-            <a:pPr lvl="1"/>
-            <a:endParaRPr lang="en-US" dirty="0"/>
+              <a:t>would require a learning curve</a:t>
+            </a:r>
+          </a:p>
+          <a:p>
+            <a:pPr lvl="1">
+              <a:buNone/>
+            </a:pPr>
+            <a:endParaRPr lang="en-US" dirty="0" smtClean="0"/>
           </a:p>
         </p:txBody>
       </p:sp>
@@ -4788,11 +4779,7 @@
           <a:p>
             <a:r>
               <a:rPr lang="en-US" dirty="0" smtClean="0"/>
-              <a:t>Dynamic </a:t>
-            </a:r>
-            <a:r>
-              <a:rPr lang="en-US" dirty="0" smtClean="0"/>
-              <a:t>initialization of </a:t>
+              <a:t>Dynamic initialization of </a:t>
             </a:r>
             <a:r>
               <a:rPr lang="en-US" dirty="0" err="1" smtClean="0"/>
@@ -6295,11 +6282,7 @@
             </a:r>
             <a:r>
               <a:rPr lang="en-US" dirty="0" smtClean="0"/>
-              <a:t> </a:t>
-            </a:r>
-            <a:r>
-              <a:rPr lang="en-US" dirty="0" smtClean="0"/>
-              <a:t>Design Cont.</a:t>
+              <a:t> Design Cont.</a:t>
             </a:r>
             <a:endParaRPr lang="en-US" dirty="0"/>
           </a:p>
